--- a/MasterTemplate.pptx
+++ b/MasterTemplate.pptx
@@ -5,10 +5,10 @@
     <p:sldMasterId id="2147483660" r:id="rId1"/>
   </p:sldMasterIdLst>
   <p:sldIdLst>
-    <p:sldId id="256" r:id="rId2"/>
-    <p:sldId id="258" r:id="rId3"/>
-    <p:sldId id="257" r:id="rId4"/>
-    <p:sldId id="259" r:id="rId5"/>
+    <p:sldId id="260" r:id="rId2"/>
+    <p:sldId id="261" r:id="rId3"/>
+    <p:sldId id="262" r:id="rId4"/>
+    <p:sldId id="263" r:id="rId5"/>
   </p:sldIdLst>
   <p:sldSz cx="12192000" cy="6858000"/>
   <p:notesSz cx="6858000" cy="9144000"/>
@@ -3103,7 +3103,7 @@
                 <a:latin typeface="Source Sans Pro Black" panose="020B0803030403020204" pitchFamily="34" charset="0"/>
                 <a:ea typeface="Source Sans Pro Black" panose="020B0803030403020204" pitchFamily="34" charset="0"/>
               </a:rPr>
-              <a:t>Title of Presentation</a:t>
+              <a:t>Title of Slide</a:t>
             </a:r>
           </a:p>
           <a:p>
@@ -3158,7 +3158,7 @@
                 <a:latin typeface="Source Sans Pro Light" panose="020B0403030403020204" pitchFamily="34" charset="0"/>
                 <a:ea typeface="Source Sans Pro Light" panose="020B0403030403020204" pitchFamily="34" charset="0"/>
               </a:rPr>
-              <a:t>X</a:t>
+              <a:t>XX</a:t>
             </a:r>
             <a:r>
               <a:rPr lang="en-US" sz="2800" baseline="30000" dirty="0" err="1">
@@ -3178,7 +3178,7 @@
                 <a:latin typeface="Source Sans Pro Light" panose="020B0403030403020204" pitchFamily="34" charset="0"/>
                 <a:ea typeface="Source Sans Pro Light" panose="020B0403030403020204" pitchFamily="34" charset="0"/>
               </a:rPr>
-              <a:t> of Month, Year</a:t>
+              <a:t> Month, Year</a:t>
             </a:r>
           </a:p>
         </p:txBody>
@@ -3186,7 +3186,7 @@
     </p:spTree>
     <p:extLst>
       <p:ext uri="{BB962C8B-B14F-4D97-AF65-F5344CB8AC3E}">
-        <p14:creationId xmlns:p14="http://schemas.microsoft.com/office/powerpoint/2010/main" val="3029578044"/>
+        <p14:creationId xmlns:p14="http://schemas.microsoft.com/office/powerpoint/2010/main" val="1416545893"/>
       </p:ext>
     </p:extLst>
   </p:cSld>
@@ -3261,7 +3261,7 @@
         </p:nvSpPr>
         <p:spPr>
           <a:xfrm>
-            <a:off x="0" y="1042851"/>
+            <a:off x="0" y="1083073"/>
             <a:ext cx="12192000" cy="5458968"/>
           </a:xfrm>
           <a:prstGeom prst="rect">
@@ -3332,7 +3332,7 @@
                 <a:latin typeface="Source Sans Pro Black" panose="020B0803030403020204" pitchFamily="34" charset="0"/>
                 <a:ea typeface="Source Sans Pro Black" panose="020B0803030403020204" pitchFamily="34" charset="0"/>
               </a:rPr>
-              <a:t>Section Header</a:t>
+              <a:t>Section Title</a:t>
             </a:r>
           </a:p>
           <a:p>
@@ -3344,7 +3344,7 @@
                 <a:latin typeface="Source Sans Pro" panose="020B0503030403020204" pitchFamily="34" charset="0"/>
                 <a:ea typeface="Source Sans Pro" panose="020B0503030403020204" pitchFamily="34" charset="0"/>
               </a:rPr>
-              <a:t>Section Description</a:t>
+              <a:t>Description</a:t>
             </a:r>
           </a:p>
         </p:txBody>
@@ -3352,7 +3352,7 @@
     </p:spTree>
     <p:extLst>
       <p:ext uri="{BB962C8B-B14F-4D97-AF65-F5344CB8AC3E}">
-        <p14:creationId xmlns:p14="http://schemas.microsoft.com/office/powerpoint/2010/main" val="2072379494"/>
+        <p14:creationId xmlns:p14="http://schemas.microsoft.com/office/powerpoint/2010/main" val="2509114360"/>
       </p:ext>
     </p:extLst>
   </p:cSld>
@@ -3391,7 +3391,7 @@
         </p:nvSpPr>
         <p:spPr>
           <a:xfrm>
-            <a:off x="180476" y="1819300"/>
+            <a:off x="180476" y="1523874"/>
             <a:ext cx="6306117" cy="4421073"/>
           </a:xfrm>
         </p:spPr>
@@ -3403,7 +3403,7 @@
           <a:p>
             <a:pPr>
               <a:lnSpc>
-                <a:spcPct val="100000"/>
+                <a:spcPct val="150000"/>
               </a:lnSpc>
               <a:spcBef>
                 <a:spcPts val="0"/>
@@ -3413,562 +3413,178 @@
               </a:spcAft>
             </a:pPr>
             <a:r>
-              <a:rPr lang="en-US" sz="1800" dirty="0">
-                <a:latin typeface="Source Sans Pro Light" panose="020B0403030403020204" pitchFamily="34" charset="0"/>
-                <a:ea typeface="Source Sans Pro Light" panose="020B0403030403020204" pitchFamily="34" charset="0"/>
+              <a:rPr lang="en-US" sz="2000" dirty="0">
+                <a:latin typeface="Source Sans Pro ExtraLight" panose="020B0303030403020204" pitchFamily="34" charset="0"/>
+                <a:ea typeface="Source Sans Pro ExtraLight" panose="020B0303030403020204" pitchFamily="34" charset="0"/>
                 <a:cs typeface="Verdana" panose="020B0604030504040204" pitchFamily="34" charset="0"/>
               </a:rPr>
               <a:t>Lorem ipsum dolor sit </a:t>
             </a:r>
             <a:r>
-              <a:rPr lang="en-US" sz="1800" dirty="0" err="1">
-                <a:latin typeface="Source Sans Pro Light" panose="020B0403030403020204" pitchFamily="34" charset="0"/>
-                <a:ea typeface="Source Sans Pro Light" panose="020B0403030403020204" pitchFamily="34" charset="0"/>
+              <a:rPr lang="en-US" sz="2000" dirty="0" err="1">
+                <a:latin typeface="Source Sans Pro ExtraLight" panose="020B0303030403020204" pitchFamily="34" charset="0"/>
+                <a:ea typeface="Source Sans Pro ExtraLight" panose="020B0303030403020204" pitchFamily="34" charset="0"/>
                 <a:cs typeface="Verdana" panose="020B0604030504040204" pitchFamily="34" charset="0"/>
               </a:rPr>
               <a:t>amet</a:t>
             </a:r>
             <a:r>
-              <a:rPr lang="en-US" sz="1800" dirty="0">
-                <a:latin typeface="Source Sans Pro Light" panose="020B0403030403020204" pitchFamily="34" charset="0"/>
-                <a:ea typeface="Source Sans Pro Light" panose="020B0403030403020204" pitchFamily="34" charset="0"/>
+              <a:rPr lang="en-US" sz="2000" dirty="0">
+                <a:latin typeface="Source Sans Pro ExtraLight" panose="020B0303030403020204" pitchFamily="34" charset="0"/>
+                <a:ea typeface="Source Sans Pro ExtraLight" panose="020B0303030403020204" pitchFamily="34" charset="0"/>
                 <a:cs typeface="Verdana" panose="020B0604030504040204" pitchFamily="34" charset="0"/>
               </a:rPr>
               <a:t>, has cu doming </a:t>
             </a:r>
             <a:r>
-              <a:rPr lang="en-US" sz="1800" dirty="0" err="1">
-                <a:latin typeface="Source Sans Pro Light" panose="020B0403030403020204" pitchFamily="34" charset="0"/>
-                <a:ea typeface="Source Sans Pro Light" panose="020B0403030403020204" pitchFamily="34" charset="0"/>
+              <a:rPr lang="en-US" sz="2000" dirty="0" err="1">
+                <a:latin typeface="Source Sans Pro ExtraLight" panose="020B0303030403020204" pitchFamily="34" charset="0"/>
+                <a:ea typeface="Source Sans Pro ExtraLight" panose="020B0303030403020204" pitchFamily="34" charset="0"/>
                 <a:cs typeface="Verdana" panose="020B0604030504040204" pitchFamily="34" charset="0"/>
               </a:rPr>
               <a:t>aliquid</a:t>
             </a:r>
             <a:r>
-              <a:rPr lang="en-US" sz="1800" dirty="0">
-                <a:latin typeface="Source Sans Pro Light" panose="020B0403030403020204" pitchFamily="34" charset="0"/>
-                <a:ea typeface="Source Sans Pro Light" panose="020B0403030403020204" pitchFamily="34" charset="0"/>
+              <a:rPr lang="en-US" sz="2000" dirty="0">
+                <a:latin typeface="Source Sans Pro ExtraLight" panose="020B0303030403020204" pitchFamily="34" charset="0"/>
+                <a:ea typeface="Source Sans Pro ExtraLight" panose="020B0303030403020204" pitchFamily="34" charset="0"/>
                 <a:cs typeface="Verdana" panose="020B0604030504040204" pitchFamily="34" charset="0"/>
               </a:rPr>
               <a:t> </a:t>
             </a:r>
             <a:r>
-              <a:rPr lang="en-US" sz="1800" dirty="0" err="1">
-                <a:latin typeface="Source Sans Pro Light" panose="020B0403030403020204" pitchFamily="34" charset="0"/>
-                <a:ea typeface="Source Sans Pro Light" panose="020B0403030403020204" pitchFamily="34" charset="0"/>
+              <a:rPr lang="en-US" sz="2000" dirty="0" err="1">
+                <a:latin typeface="Source Sans Pro ExtraLight" panose="020B0303030403020204" pitchFamily="34" charset="0"/>
+                <a:ea typeface="Source Sans Pro ExtraLight" panose="020B0303030403020204" pitchFamily="34" charset="0"/>
                 <a:cs typeface="Verdana" panose="020B0604030504040204" pitchFamily="34" charset="0"/>
               </a:rPr>
               <a:t>consetetur</a:t>
             </a:r>
             <a:r>
-              <a:rPr lang="en-US" sz="1800" dirty="0">
-                <a:latin typeface="Source Sans Pro Light" panose="020B0403030403020204" pitchFamily="34" charset="0"/>
-                <a:ea typeface="Source Sans Pro Light" panose="020B0403030403020204" pitchFamily="34" charset="0"/>
+              <a:rPr lang="en-US" sz="2000" dirty="0">
+                <a:latin typeface="Source Sans Pro ExtraLight" panose="020B0303030403020204" pitchFamily="34" charset="0"/>
+                <a:ea typeface="Source Sans Pro ExtraLight" panose="020B0303030403020204" pitchFamily="34" charset="0"/>
                 <a:cs typeface="Verdana" panose="020B0604030504040204" pitchFamily="34" charset="0"/>
               </a:rPr>
               <a:t>, no </a:t>
             </a:r>
             <a:r>
-              <a:rPr lang="en-US" sz="1800" dirty="0" err="1">
-                <a:latin typeface="Source Sans Pro Light" panose="020B0403030403020204" pitchFamily="34" charset="0"/>
-                <a:ea typeface="Source Sans Pro Light" panose="020B0403030403020204" pitchFamily="34" charset="0"/>
+              <a:rPr lang="en-US" sz="2000" dirty="0" err="1">
+                <a:latin typeface="Source Sans Pro ExtraLight" panose="020B0303030403020204" pitchFamily="34" charset="0"/>
+                <a:ea typeface="Source Sans Pro ExtraLight" panose="020B0303030403020204" pitchFamily="34" charset="0"/>
                 <a:cs typeface="Verdana" panose="020B0604030504040204" pitchFamily="34" charset="0"/>
               </a:rPr>
               <a:t>causae</a:t>
             </a:r>
             <a:r>
-              <a:rPr lang="en-US" sz="1800" dirty="0">
-                <a:latin typeface="Source Sans Pro Light" panose="020B0403030403020204" pitchFamily="34" charset="0"/>
-                <a:ea typeface="Source Sans Pro Light" panose="020B0403030403020204" pitchFamily="34" charset="0"/>
+              <a:rPr lang="en-US" sz="2000" dirty="0">
+                <a:latin typeface="Source Sans Pro ExtraLight" panose="020B0303030403020204" pitchFamily="34" charset="0"/>
+                <a:ea typeface="Source Sans Pro ExtraLight" panose="020B0303030403020204" pitchFamily="34" charset="0"/>
                 <a:cs typeface="Verdana" panose="020B0604030504040204" pitchFamily="34" charset="0"/>
               </a:rPr>
               <a:t> </a:t>
             </a:r>
             <a:r>
-              <a:rPr lang="en-US" sz="1800" dirty="0" err="1">
-                <a:latin typeface="Source Sans Pro Light" panose="020B0403030403020204" pitchFamily="34" charset="0"/>
-                <a:ea typeface="Source Sans Pro Light" panose="020B0403030403020204" pitchFamily="34" charset="0"/>
+              <a:rPr lang="en-US" sz="2000" dirty="0" err="1">
+                <a:latin typeface="Source Sans Pro ExtraLight" panose="020B0303030403020204" pitchFamily="34" charset="0"/>
+                <a:ea typeface="Source Sans Pro ExtraLight" panose="020B0303030403020204" pitchFamily="34" charset="0"/>
                 <a:cs typeface="Verdana" panose="020B0604030504040204" pitchFamily="34" charset="0"/>
               </a:rPr>
               <a:t>audire</a:t>
             </a:r>
             <a:r>
-              <a:rPr lang="en-US" sz="1800" dirty="0">
-                <a:latin typeface="Source Sans Pro Light" panose="020B0403030403020204" pitchFamily="34" charset="0"/>
-                <a:ea typeface="Source Sans Pro Light" panose="020B0403030403020204" pitchFamily="34" charset="0"/>
+              <a:rPr lang="en-US" sz="2000" dirty="0">
+                <a:latin typeface="Source Sans Pro ExtraLight" panose="020B0303030403020204" pitchFamily="34" charset="0"/>
+                <a:ea typeface="Source Sans Pro ExtraLight" panose="020B0303030403020204" pitchFamily="34" charset="0"/>
                 <a:cs typeface="Verdana" panose="020B0604030504040204" pitchFamily="34" charset="0"/>
               </a:rPr>
               <a:t> pro. Eos ad </a:t>
             </a:r>
             <a:r>
-              <a:rPr lang="en-US" sz="1800" dirty="0" err="1">
-                <a:latin typeface="Source Sans Pro Light" panose="020B0403030403020204" pitchFamily="34" charset="0"/>
-                <a:ea typeface="Source Sans Pro Light" panose="020B0403030403020204" pitchFamily="34" charset="0"/>
+              <a:rPr lang="en-US" sz="2000" dirty="0" err="1">
+                <a:latin typeface="Source Sans Pro ExtraLight" panose="020B0303030403020204" pitchFamily="34" charset="0"/>
+                <a:ea typeface="Source Sans Pro ExtraLight" panose="020B0303030403020204" pitchFamily="34" charset="0"/>
                 <a:cs typeface="Verdana" panose="020B0604030504040204" pitchFamily="34" charset="0"/>
               </a:rPr>
               <a:t>nullam</a:t>
             </a:r>
             <a:r>
-              <a:rPr lang="en-US" sz="1800" dirty="0">
-                <a:latin typeface="Source Sans Pro Light" panose="020B0403030403020204" pitchFamily="34" charset="0"/>
-                <a:ea typeface="Source Sans Pro Light" panose="020B0403030403020204" pitchFamily="34" charset="0"/>
+              <a:rPr lang="en-US" sz="2000" dirty="0">
+                <a:latin typeface="Source Sans Pro ExtraLight" panose="020B0303030403020204" pitchFamily="34" charset="0"/>
+                <a:ea typeface="Source Sans Pro ExtraLight" panose="020B0303030403020204" pitchFamily="34" charset="0"/>
                 <a:cs typeface="Verdana" panose="020B0604030504040204" pitchFamily="34" charset="0"/>
               </a:rPr>
               <a:t> </a:t>
             </a:r>
             <a:r>
-              <a:rPr lang="en-US" sz="1800" dirty="0" err="1">
-                <a:latin typeface="Source Sans Pro Light" panose="020B0403030403020204" pitchFamily="34" charset="0"/>
-                <a:ea typeface="Source Sans Pro Light" panose="020B0403030403020204" pitchFamily="34" charset="0"/>
+              <a:rPr lang="en-US" sz="2000" dirty="0" err="1">
+                <a:latin typeface="Source Sans Pro ExtraLight" panose="020B0303030403020204" pitchFamily="34" charset="0"/>
+                <a:ea typeface="Source Sans Pro ExtraLight" panose="020B0303030403020204" pitchFamily="34" charset="0"/>
                 <a:cs typeface="Verdana" panose="020B0604030504040204" pitchFamily="34" charset="0"/>
               </a:rPr>
               <a:t>legendos</a:t>
             </a:r>
             <a:r>
-              <a:rPr lang="en-US" sz="1800" dirty="0">
-                <a:latin typeface="Source Sans Pro Light" panose="020B0403030403020204" pitchFamily="34" charset="0"/>
-                <a:ea typeface="Source Sans Pro Light" panose="020B0403030403020204" pitchFamily="34" charset="0"/>
+              <a:rPr lang="en-US" sz="2000" dirty="0">
+                <a:latin typeface="Source Sans Pro ExtraLight" panose="020B0303030403020204" pitchFamily="34" charset="0"/>
+                <a:ea typeface="Source Sans Pro ExtraLight" panose="020B0303030403020204" pitchFamily="34" charset="0"/>
                 <a:cs typeface="Verdana" panose="020B0604030504040204" pitchFamily="34" charset="0"/>
               </a:rPr>
               <a:t> </a:t>
             </a:r>
             <a:r>
-              <a:rPr lang="en-US" sz="1800" dirty="0" err="1">
-                <a:latin typeface="Source Sans Pro Light" panose="020B0403030403020204" pitchFamily="34" charset="0"/>
-                <a:ea typeface="Source Sans Pro Light" panose="020B0403030403020204" pitchFamily="34" charset="0"/>
+              <a:rPr lang="en-US" sz="2000" dirty="0" err="1">
+                <a:latin typeface="Source Sans Pro ExtraLight" panose="020B0303030403020204" pitchFamily="34" charset="0"/>
+                <a:ea typeface="Source Sans Pro ExtraLight" panose="020B0303030403020204" pitchFamily="34" charset="0"/>
                 <a:cs typeface="Verdana" panose="020B0604030504040204" pitchFamily="34" charset="0"/>
               </a:rPr>
               <a:t>scribentur</a:t>
             </a:r>
             <a:r>
-              <a:rPr lang="en-US" sz="1800" dirty="0">
-                <a:latin typeface="Source Sans Pro Light" panose="020B0403030403020204" pitchFamily="34" charset="0"/>
-                <a:ea typeface="Source Sans Pro Light" panose="020B0403030403020204" pitchFamily="34" charset="0"/>
+              <a:rPr lang="en-US" sz="2000" dirty="0">
+                <a:latin typeface="Source Sans Pro ExtraLight" panose="020B0303030403020204" pitchFamily="34" charset="0"/>
+                <a:ea typeface="Source Sans Pro ExtraLight" panose="020B0303030403020204" pitchFamily="34" charset="0"/>
                 <a:cs typeface="Verdana" panose="020B0604030504040204" pitchFamily="34" charset="0"/>
               </a:rPr>
               <a:t>, </a:t>
             </a:r>
             <a:r>
-              <a:rPr lang="en-US" sz="1800" dirty="0" err="1">
-                <a:latin typeface="Source Sans Pro Light" panose="020B0403030403020204" pitchFamily="34" charset="0"/>
-                <a:ea typeface="Source Sans Pro Light" panose="020B0403030403020204" pitchFamily="34" charset="0"/>
+              <a:rPr lang="en-US" sz="2000" dirty="0" err="1">
+                <a:latin typeface="Source Sans Pro ExtraLight" panose="020B0303030403020204" pitchFamily="34" charset="0"/>
+                <a:ea typeface="Source Sans Pro ExtraLight" panose="020B0303030403020204" pitchFamily="34" charset="0"/>
                 <a:cs typeface="Verdana" panose="020B0604030504040204" pitchFamily="34" charset="0"/>
               </a:rPr>
               <a:t>verear</a:t>
             </a:r>
             <a:r>
-              <a:rPr lang="en-US" sz="1800" dirty="0">
-                <a:latin typeface="Source Sans Pro Light" panose="020B0403030403020204" pitchFamily="34" charset="0"/>
-                <a:ea typeface="Source Sans Pro Light" panose="020B0403030403020204" pitchFamily="34" charset="0"/>
+              <a:rPr lang="en-US" sz="2000" dirty="0">
+                <a:latin typeface="Source Sans Pro ExtraLight" panose="020B0303030403020204" pitchFamily="34" charset="0"/>
+                <a:ea typeface="Source Sans Pro ExtraLight" panose="020B0303030403020204" pitchFamily="34" charset="0"/>
                 <a:cs typeface="Verdana" panose="020B0604030504040204" pitchFamily="34" charset="0"/>
               </a:rPr>
               <a:t> </a:t>
             </a:r>
             <a:r>
-              <a:rPr lang="en-US" sz="1800" dirty="0" err="1">
-                <a:latin typeface="Source Sans Pro Light" panose="020B0403030403020204" pitchFamily="34" charset="0"/>
-                <a:ea typeface="Source Sans Pro Light" panose="020B0403030403020204" pitchFamily="34" charset="0"/>
+              <a:rPr lang="en-US" sz="2000" dirty="0" err="1">
+                <a:latin typeface="Source Sans Pro ExtraLight" panose="020B0303030403020204" pitchFamily="34" charset="0"/>
+                <a:ea typeface="Source Sans Pro ExtraLight" panose="020B0303030403020204" pitchFamily="34" charset="0"/>
                 <a:cs typeface="Verdana" panose="020B0604030504040204" pitchFamily="34" charset="0"/>
               </a:rPr>
               <a:t>nusquam</a:t>
             </a:r>
             <a:r>
-              <a:rPr lang="en-US" sz="1800" dirty="0">
-                <a:latin typeface="Source Sans Pro Light" panose="020B0403030403020204" pitchFamily="34" charset="0"/>
-                <a:ea typeface="Source Sans Pro Light" panose="020B0403030403020204" pitchFamily="34" charset="0"/>
-                <a:cs typeface="Verdana" panose="020B0604030504040204" pitchFamily="34" charset="0"/>
-              </a:rPr>
-              <a:t> </a:t>
-            </a:r>
-            <a:r>
-              <a:rPr lang="en-US" sz="1800" dirty="0" err="1">
-                <a:latin typeface="Source Sans Pro Light" panose="020B0403030403020204" pitchFamily="34" charset="0"/>
-                <a:ea typeface="Source Sans Pro Light" panose="020B0403030403020204" pitchFamily="34" charset="0"/>
-                <a:cs typeface="Verdana" panose="020B0604030504040204" pitchFamily="34" charset="0"/>
-              </a:rPr>
-              <a:t>ea</a:t>
-            </a:r>
-            <a:r>
-              <a:rPr lang="en-US" sz="1800" dirty="0">
-                <a:latin typeface="Source Sans Pro Light" panose="020B0403030403020204" pitchFamily="34" charset="0"/>
-                <a:ea typeface="Source Sans Pro Light" panose="020B0403030403020204" pitchFamily="34" charset="0"/>
-                <a:cs typeface="Verdana" panose="020B0604030504040204" pitchFamily="34" charset="0"/>
-              </a:rPr>
-              <a:t> sed. Vim </a:t>
-            </a:r>
-            <a:r>
-              <a:rPr lang="en-US" sz="1800" dirty="0" err="1">
-                <a:latin typeface="Source Sans Pro Light" panose="020B0403030403020204" pitchFamily="34" charset="0"/>
-                <a:ea typeface="Source Sans Pro Light" panose="020B0403030403020204" pitchFamily="34" charset="0"/>
-                <a:cs typeface="Verdana" panose="020B0604030504040204" pitchFamily="34" charset="0"/>
-              </a:rPr>
-              <a:t>iriure</a:t>
-            </a:r>
-            <a:r>
-              <a:rPr lang="en-US" sz="1800" dirty="0">
-                <a:latin typeface="Source Sans Pro Light" panose="020B0403030403020204" pitchFamily="34" charset="0"/>
-                <a:ea typeface="Source Sans Pro Light" panose="020B0403030403020204" pitchFamily="34" charset="0"/>
-                <a:cs typeface="Verdana" panose="020B0604030504040204" pitchFamily="34" charset="0"/>
-              </a:rPr>
-              <a:t> </a:t>
-            </a:r>
-            <a:r>
-              <a:rPr lang="en-US" sz="1800" dirty="0" err="1">
-                <a:latin typeface="Source Sans Pro Light" panose="020B0403030403020204" pitchFamily="34" charset="0"/>
-                <a:ea typeface="Source Sans Pro Light" panose="020B0403030403020204" pitchFamily="34" charset="0"/>
-                <a:cs typeface="Verdana" panose="020B0604030504040204" pitchFamily="34" charset="0"/>
-              </a:rPr>
-              <a:t>aeterno</a:t>
-            </a:r>
-            <a:r>
-              <a:rPr lang="en-US" sz="1800" dirty="0">
-                <a:latin typeface="Source Sans Pro Light" panose="020B0403030403020204" pitchFamily="34" charset="0"/>
-                <a:ea typeface="Source Sans Pro Light" panose="020B0403030403020204" pitchFamily="34" charset="0"/>
-                <a:cs typeface="Verdana" panose="020B0604030504040204" pitchFamily="34" charset="0"/>
-              </a:rPr>
-              <a:t> at, </a:t>
-            </a:r>
-            <a:r>
-              <a:rPr lang="en-US" sz="1800" dirty="0" err="1">
-                <a:latin typeface="Source Sans Pro Light" panose="020B0403030403020204" pitchFamily="34" charset="0"/>
-                <a:ea typeface="Source Sans Pro Light" panose="020B0403030403020204" pitchFamily="34" charset="0"/>
-                <a:cs typeface="Verdana" panose="020B0604030504040204" pitchFamily="34" charset="0"/>
-              </a:rPr>
-              <a:t>ius</a:t>
-            </a:r>
-            <a:r>
-              <a:rPr lang="en-US" sz="1800" dirty="0">
-                <a:latin typeface="Source Sans Pro Light" panose="020B0403030403020204" pitchFamily="34" charset="0"/>
-                <a:ea typeface="Source Sans Pro Light" panose="020B0403030403020204" pitchFamily="34" charset="0"/>
-                <a:cs typeface="Verdana" panose="020B0604030504040204" pitchFamily="34" charset="0"/>
-              </a:rPr>
-              <a:t> mundi </a:t>
-            </a:r>
-            <a:r>
-              <a:rPr lang="en-US" sz="1800" dirty="0" err="1">
-                <a:latin typeface="Source Sans Pro Light" panose="020B0403030403020204" pitchFamily="34" charset="0"/>
-                <a:ea typeface="Source Sans Pro Light" panose="020B0403030403020204" pitchFamily="34" charset="0"/>
-                <a:cs typeface="Verdana" panose="020B0604030504040204" pitchFamily="34" charset="0"/>
-              </a:rPr>
-              <a:t>persequeris</a:t>
-            </a:r>
-            <a:r>
-              <a:rPr lang="en-US" sz="1800" dirty="0">
-                <a:latin typeface="Source Sans Pro Light" panose="020B0403030403020204" pitchFamily="34" charset="0"/>
-                <a:ea typeface="Source Sans Pro Light" panose="020B0403030403020204" pitchFamily="34" charset="0"/>
-                <a:cs typeface="Verdana" panose="020B0604030504040204" pitchFamily="34" charset="0"/>
-              </a:rPr>
-              <a:t> et, </a:t>
-            </a:r>
-            <a:r>
-              <a:rPr lang="en-US" sz="1800" dirty="0" err="1">
-                <a:latin typeface="Source Sans Pro Light" panose="020B0403030403020204" pitchFamily="34" charset="0"/>
-                <a:ea typeface="Source Sans Pro Light" panose="020B0403030403020204" pitchFamily="34" charset="0"/>
-                <a:cs typeface="Verdana" panose="020B0604030504040204" pitchFamily="34" charset="0"/>
-              </a:rPr>
-              <a:t>atqui</a:t>
-            </a:r>
-            <a:r>
-              <a:rPr lang="en-US" sz="1800" dirty="0">
-                <a:latin typeface="Source Sans Pro Light" panose="020B0403030403020204" pitchFamily="34" charset="0"/>
-                <a:ea typeface="Source Sans Pro Light" panose="020B0403030403020204" pitchFamily="34" charset="0"/>
-                <a:cs typeface="Verdana" panose="020B0604030504040204" pitchFamily="34" charset="0"/>
-              </a:rPr>
-              <a:t> </a:t>
-            </a:r>
-            <a:r>
-              <a:rPr lang="en-US" sz="1800" dirty="0" err="1">
-                <a:latin typeface="Source Sans Pro Light" panose="020B0403030403020204" pitchFamily="34" charset="0"/>
-                <a:ea typeface="Source Sans Pro Light" panose="020B0403030403020204" pitchFamily="34" charset="0"/>
-                <a:cs typeface="Verdana" panose="020B0604030504040204" pitchFamily="34" charset="0"/>
-              </a:rPr>
-              <a:t>nominati</a:t>
-            </a:r>
-            <a:r>
-              <a:rPr lang="en-US" sz="1800" dirty="0">
-                <a:latin typeface="Source Sans Pro Light" panose="020B0403030403020204" pitchFamily="34" charset="0"/>
-                <a:ea typeface="Source Sans Pro Light" panose="020B0403030403020204" pitchFamily="34" charset="0"/>
-                <a:cs typeface="Verdana" panose="020B0604030504040204" pitchFamily="34" charset="0"/>
-              </a:rPr>
-              <a:t> mandamus </a:t>
-            </a:r>
-            <a:r>
-              <a:rPr lang="en-US" sz="1800" dirty="0" err="1">
-                <a:latin typeface="Source Sans Pro Light" panose="020B0403030403020204" pitchFamily="34" charset="0"/>
-                <a:ea typeface="Source Sans Pro Light" panose="020B0403030403020204" pitchFamily="34" charset="0"/>
-                <a:cs typeface="Verdana" panose="020B0604030504040204" pitchFamily="34" charset="0"/>
-              </a:rPr>
-              <a:t>vix</a:t>
-            </a:r>
-            <a:r>
-              <a:rPr lang="en-US" sz="1800" dirty="0">
-                <a:latin typeface="Source Sans Pro Light" panose="020B0403030403020204" pitchFamily="34" charset="0"/>
-                <a:ea typeface="Source Sans Pro Light" panose="020B0403030403020204" pitchFamily="34" charset="0"/>
-                <a:cs typeface="Verdana" panose="020B0604030504040204" pitchFamily="34" charset="0"/>
-              </a:rPr>
-              <a:t> ex. </a:t>
-            </a:r>
-            <a:r>
-              <a:rPr lang="en-US" sz="1800" dirty="0" err="1">
-                <a:latin typeface="Source Sans Pro Light" panose="020B0403030403020204" pitchFamily="34" charset="0"/>
-                <a:ea typeface="Source Sans Pro Light" panose="020B0403030403020204" pitchFamily="34" charset="0"/>
-                <a:cs typeface="Verdana" panose="020B0604030504040204" pitchFamily="34" charset="0"/>
-              </a:rPr>
-              <a:t>Falli</a:t>
-            </a:r>
-            <a:r>
-              <a:rPr lang="en-US" sz="1800" dirty="0">
-                <a:latin typeface="Source Sans Pro Light" panose="020B0403030403020204" pitchFamily="34" charset="0"/>
-                <a:ea typeface="Source Sans Pro Light" panose="020B0403030403020204" pitchFamily="34" charset="0"/>
-                <a:cs typeface="Verdana" panose="020B0604030504040204" pitchFamily="34" charset="0"/>
-              </a:rPr>
-              <a:t> animal </a:t>
-            </a:r>
-            <a:r>
-              <a:rPr lang="en-US" sz="1800" dirty="0" err="1">
-                <a:latin typeface="Source Sans Pro Light" panose="020B0403030403020204" pitchFamily="34" charset="0"/>
-                <a:ea typeface="Source Sans Pro Light" panose="020B0403030403020204" pitchFamily="34" charset="0"/>
-                <a:cs typeface="Verdana" panose="020B0604030504040204" pitchFamily="34" charset="0"/>
-              </a:rPr>
-              <a:t>fabellas</a:t>
-            </a:r>
-            <a:r>
-              <a:rPr lang="en-US" sz="1800" dirty="0">
-                <a:latin typeface="Source Sans Pro Light" panose="020B0403030403020204" pitchFamily="34" charset="0"/>
-                <a:ea typeface="Source Sans Pro Light" panose="020B0403030403020204" pitchFamily="34" charset="0"/>
-                <a:cs typeface="Verdana" panose="020B0604030504040204" pitchFamily="34" charset="0"/>
-              </a:rPr>
-              <a:t> </a:t>
-            </a:r>
-            <a:r>
-              <a:rPr lang="en-US" sz="1800" dirty="0" err="1">
-                <a:latin typeface="Source Sans Pro Light" panose="020B0403030403020204" pitchFamily="34" charset="0"/>
-                <a:ea typeface="Source Sans Pro Light" panose="020B0403030403020204" pitchFamily="34" charset="0"/>
-                <a:cs typeface="Verdana" panose="020B0604030504040204" pitchFamily="34" charset="0"/>
-              </a:rPr>
-              <a:t>ea</a:t>
-            </a:r>
-            <a:r>
-              <a:rPr lang="en-US" sz="1800" dirty="0">
-                <a:latin typeface="Source Sans Pro Light" panose="020B0403030403020204" pitchFamily="34" charset="0"/>
-                <a:ea typeface="Source Sans Pro Light" panose="020B0403030403020204" pitchFamily="34" charset="0"/>
-                <a:cs typeface="Verdana" panose="020B0604030504040204" pitchFamily="34" charset="0"/>
-              </a:rPr>
-              <a:t> vis. An has </a:t>
-            </a:r>
-            <a:r>
-              <a:rPr lang="en-US" sz="1800" dirty="0" err="1">
-                <a:latin typeface="Source Sans Pro Light" panose="020B0403030403020204" pitchFamily="34" charset="0"/>
-                <a:ea typeface="Source Sans Pro Light" panose="020B0403030403020204" pitchFamily="34" charset="0"/>
-                <a:cs typeface="Verdana" panose="020B0604030504040204" pitchFamily="34" charset="0"/>
-              </a:rPr>
-              <a:t>vidit</a:t>
-            </a:r>
-            <a:r>
-              <a:rPr lang="en-US" sz="1800" dirty="0">
-                <a:latin typeface="Source Sans Pro Light" panose="020B0403030403020204" pitchFamily="34" charset="0"/>
-                <a:ea typeface="Source Sans Pro Light" panose="020B0403030403020204" pitchFamily="34" charset="0"/>
-                <a:cs typeface="Verdana" panose="020B0604030504040204" pitchFamily="34" charset="0"/>
-              </a:rPr>
-              <a:t> </a:t>
-            </a:r>
-            <a:r>
-              <a:rPr lang="en-US" sz="1800" dirty="0" err="1">
-                <a:latin typeface="Source Sans Pro Light" panose="020B0403030403020204" pitchFamily="34" charset="0"/>
-                <a:ea typeface="Source Sans Pro Light" panose="020B0403030403020204" pitchFamily="34" charset="0"/>
-                <a:cs typeface="Verdana" panose="020B0604030504040204" pitchFamily="34" charset="0"/>
-              </a:rPr>
-              <a:t>decore</a:t>
-            </a:r>
-            <a:r>
-              <a:rPr lang="en-US" sz="1800" dirty="0">
-                <a:latin typeface="Source Sans Pro Light" panose="020B0403030403020204" pitchFamily="34" charset="0"/>
-                <a:ea typeface="Source Sans Pro Light" panose="020B0403030403020204" pitchFamily="34" charset="0"/>
-                <a:cs typeface="Verdana" panose="020B0604030504040204" pitchFamily="34" charset="0"/>
-              </a:rPr>
-              <a:t> </a:t>
-            </a:r>
-            <a:r>
-              <a:rPr lang="en-US" sz="1800" dirty="0" err="1">
-                <a:latin typeface="Source Sans Pro Light" panose="020B0403030403020204" pitchFamily="34" charset="0"/>
-                <a:ea typeface="Source Sans Pro Light" panose="020B0403030403020204" pitchFamily="34" charset="0"/>
-                <a:cs typeface="Verdana" panose="020B0604030504040204" pitchFamily="34" charset="0"/>
-              </a:rPr>
-              <a:t>interpretaris</a:t>
-            </a:r>
-            <a:r>
-              <a:rPr lang="en-US" sz="1800" dirty="0">
-                <a:latin typeface="Source Sans Pro Light" panose="020B0403030403020204" pitchFamily="34" charset="0"/>
-                <a:ea typeface="Source Sans Pro Light" panose="020B0403030403020204" pitchFamily="34" charset="0"/>
-                <a:cs typeface="Verdana" panose="020B0604030504040204" pitchFamily="34" charset="0"/>
-              </a:rPr>
-              <a:t>, </a:t>
-            </a:r>
-            <a:r>
-              <a:rPr lang="en-US" sz="1800" dirty="0" err="1">
-                <a:latin typeface="Source Sans Pro Light" panose="020B0403030403020204" pitchFamily="34" charset="0"/>
-                <a:ea typeface="Source Sans Pro Light" panose="020B0403030403020204" pitchFamily="34" charset="0"/>
-                <a:cs typeface="Verdana" panose="020B0604030504040204" pitchFamily="34" charset="0"/>
-              </a:rPr>
-              <a:t>elit</a:t>
-            </a:r>
-            <a:r>
-              <a:rPr lang="en-US" sz="1800" dirty="0">
-                <a:latin typeface="Source Sans Pro Light" panose="020B0403030403020204" pitchFamily="34" charset="0"/>
-                <a:ea typeface="Source Sans Pro Light" panose="020B0403030403020204" pitchFamily="34" charset="0"/>
-                <a:cs typeface="Verdana" panose="020B0604030504040204" pitchFamily="34" charset="0"/>
-              </a:rPr>
-              <a:t> </a:t>
-            </a:r>
-            <a:r>
-              <a:rPr lang="en-US" sz="1800" dirty="0" err="1">
-                <a:latin typeface="Source Sans Pro Light" panose="020B0403030403020204" pitchFamily="34" charset="0"/>
-                <a:ea typeface="Source Sans Pro Light" panose="020B0403030403020204" pitchFamily="34" charset="0"/>
-                <a:cs typeface="Verdana" panose="020B0604030504040204" pitchFamily="34" charset="0"/>
-              </a:rPr>
-              <a:t>rebum</a:t>
-            </a:r>
-            <a:r>
-              <a:rPr lang="en-US" sz="1800" dirty="0">
-                <a:latin typeface="Source Sans Pro Light" panose="020B0403030403020204" pitchFamily="34" charset="0"/>
-                <a:ea typeface="Source Sans Pro Light" panose="020B0403030403020204" pitchFamily="34" charset="0"/>
-                <a:cs typeface="Verdana" panose="020B0604030504040204" pitchFamily="34" charset="0"/>
-              </a:rPr>
-              <a:t> </a:t>
-            </a:r>
-            <a:r>
-              <a:rPr lang="en-US" sz="1800" dirty="0" err="1">
-                <a:latin typeface="Source Sans Pro Light" panose="020B0403030403020204" pitchFamily="34" charset="0"/>
-                <a:ea typeface="Source Sans Pro Light" panose="020B0403030403020204" pitchFamily="34" charset="0"/>
-                <a:cs typeface="Verdana" panose="020B0604030504040204" pitchFamily="34" charset="0"/>
-              </a:rPr>
-              <a:t>integre</a:t>
-            </a:r>
-            <a:r>
-              <a:rPr lang="en-US" sz="1800" dirty="0">
-                <a:latin typeface="Source Sans Pro Light" panose="020B0403030403020204" pitchFamily="34" charset="0"/>
-                <a:ea typeface="Source Sans Pro Light" panose="020B0403030403020204" pitchFamily="34" charset="0"/>
-                <a:cs typeface="Verdana" panose="020B0604030504040204" pitchFamily="34" charset="0"/>
-              </a:rPr>
-              <a:t> ne sed. </a:t>
-            </a:r>
-            <a:r>
-              <a:rPr lang="en-US" sz="1800" dirty="0" err="1">
-                <a:latin typeface="Source Sans Pro Light" panose="020B0403030403020204" pitchFamily="34" charset="0"/>
-                <a:ea typeface="Source Sans Pro Light" panose="020B0403030403020204" pitchFamily="34" charset="0"/>
-                <a:cs typeface="Verdana" panose="020B0604030504040204" pitchFamily="34" charset="0"/>
-              </a:rPr>
-              <a:t>Mollis</a:t>
-            </a:r>
-            <a:r>
-              <a:rPr lang="en-US" sz="1800" dirty="0">
-                <a:latin typeface="Source Sans Pro Light" panose="020B0403030403020204" pitchFamily="34" charset="0"/>
-                <a:ea typeface="Source Sans Pro Light" panose="020B0403030403020204" pitchFamily="34" charset="0"/>
-                <a:cs typeface="Verdana" panose="020B0604030504040204" pitchFamily="34" charset="0"/>
-              </a:rPr>
-              <a:t> </a:t>
-            </a:r>
-            <a:r>
-              <a:rPr lang="en-US" sz="1800" dirty="0" err="1">
-                <a:latin typeface="Source Sans Pro Light" panose="020B0403030403020204" pitchFamily="34" charset="0"/>
-                <a:ea typeface="Source Sans Pro Light" panose="020B0403030403020204" pitchFamily="34" charset="0"/>
-                <a:cs typeface="Verdana" panose="020B0604030504040204" pitchFamily="34" charset="0"/>
-              </a:rPr>
-              <a:t>nonumes</a:t>
-            </a:r>
-            <a:r>
-              <a:rPr lang="en-US" sz="1800" dirty="0">
-                <a:latin typeface="Source Sans Pro Light" panose="020B0403030403020204" pitchFamily="34" charset="0"/>
-                <a:ea typeface="Source Sans Pro Light" panose="020B0403030403020204" pitchFamily="34" charset="0"/>
-                <a:cs typeface="Verdana" panose="020B0604030504040204" pitchFamily="34" charset="0"/>
-              </a:rPr>
-              <a:t> </a:t>
-            </a:r>
-            <a:r>
-              <a:rPr lang="en-US" sz="1800" dirty="0" err="1">
-                <a:latin typeface="Source Sans Pro Light" panose="020B0403030403020204" pitchFamily="34" charset="0"/>
-                <a:ea typeface="Source Sans Pro Light" panose="020B0403030403020204" pitchFamily="34" charset="0"/>
-                <a:cs typeface="Verdana" panose="020B0604030504040204" pitchFamily="34" charset="0"/>
-              </a:rPr>
-              <a:t>ut</a:t>
-            </a:r>
-            <a:r>
-              <a:rPr lang="en-US" sz="1800" dirty="0">
-                <a:latin typeface="Source Sans Pro Light" panose="020B0403030403020204" pitchFamily="34" charset="0"/>
-                <a:ea typeface="Source Sans Pro Light" panose="020B0403030403020204" pitchFamily="34" charset="0"/>
-                <a:cs typeface="Verdana" panose="020B0604030504040204" pitchFamily="34" charset="0"/>
-              </a:rPr>
-              <a:t> </a:t>
-            </a:r>
-            <a:r>
-              <a:rPr lang="en-US" sz="1800" dirty="0" err="1">
-                <a:latin typeface="Source Sans Pro Light" panose="020B0403030403020204" pitchFamily="34" charset="0"/>
-                <a:ea typeface="Source Sans Pro Light" panose="020B0403030403020204" pitchFamily="34" charset="0"/>
-                <a:cs typeface="Verdana" panose="020B0604030504040204" pitchFamily="34" charset="0"/>
-              </a:rPr>
-              <a:t>eum</a:t>
-            </a:r>
-            <a:r>
-              <a:rPr lang="en-US" sz="1800" dirty="0">
-                <a:latin typeface="Source Sans Pro Light" panose="020B0403030403020204" pitchFamily="34" charset="0"/>
-                <a:ea typeface="Source Sans Pro Light" panose="020B0403030403020204" pitchFamily="34" charset="0"/>
-                <a:cs typeface="Verdana" panose="020B0604030504040204" pitchFamily="34" charset="0"/>
-              </a:rPr>
-              <a:t>, pro </a:t>
-            </a:r>
-            <a:r>
-              <a:rPr lang="en-US" sz="1800" dirty="0" err="1">
-                <a:latin typeface="Source Sans Pro Light" panose="020B0403030403020204" pitchFamily="34" charset="0"/>
-                <a:ea typeface="Source Sans Pro Light" panose="020B0403030403020204" pitchFamily="34" charset="0"/>
-                <a:cs typeface="Verdana" panose="020B0604030504040204" pitchFamily="34" charset="0"/>
-              </a:rPr>
-              <a:t>scripta</a:t>
-            </a:r>
-            <a:r>
-              <a:rPr lang="en-US" sz="1800" dirty="0">
-                <a:latin typeface="Source Sans Pro Light" panose="020B0403030403020204" pitchFamily="34" charset="0"/>
-                <a:ea typeface="Source Sans Pro Light" panose="020B0403030403020204" pitchFamily="34" charset="0"/>
-                <a:cs typeface="Verdana" panose="020B0604030504040204" pitchFamily="34" charset="0"/>
-              </a:rPr>
-              <a:t> </a:t>
-            </a:r>
-            <a:r>
-              <a:rPr lang="en-US" sz="1800" dirty="0" err="1">
-                <a:latin typeface="Source Sans Pro Light" panose="020B0403030403020204" pitchFamily="34" charset="0"/>
-                <a:ea typeface="Source Sans Pro Light" panose="020B0403030403020204" pitchFamily="34" charset="0"/>
-                <a:cs typeface="Verdana" panose="020B0604030504040204" pitchFamily="34" charset="0"/>
-              </a:rPr>
-              <a:t>dolorum</a:t>
-            </a:r>
-            <a:r>
-              <a:rPr lang="en-US" sz="1800" dirty="0">
-                <a:latin typeface="Source Sans Pro Light" panose="020B0403030403020204" pitchFamily="34" charset="0"/>
-                <a:ea typeface="Source Sans Pro Light" panose="020B0403030403020204" pitchFamily="34" charset="0"/>
-                <a:cs typeface="Verdana" panose="020B0604030504040204" pitchFamily="34" charset="0"/>
-              </a:rPr>
-              <a:t> </a:t>
-            </a:r>
-            <a:r>
-              <a:rPr lang="en-US" sz="1800" dirty="0" err="1">
-                <a:latin typeface="Source Sans Pro Light" panose="020B0403030403020204" pitchFamily="34" charset="0"/>
-                <a:ea typeface="Source Sans Pro Light" panose="020B0403030403020204" pitchFamily="34" charset="0"/>
-                <a:cs typeface="Verdana" panose="020B0604030504040204" pitchFamily="34" charset="0"/>
-              </a:rPr>
-              <a:t>suscipiantur</a:t>
-            </a:r>
-            <a:r>
-              <a:rPr lang="en-US" sz="1800" dirty="0">
-                <a:latin typeface="Source Sans Pro Light" panose="020B0403030403020204" pitchFamily="34" charset="0"/>
-                <a:ea typeface="Source Sans Pro Light" panose="020B0403030403020204" pitchFamily="34" charset="0"/>
-                <a:cs typeface="Verdana" panose="020B0604030504040204" pitchFamily="34" charset="0"/>
-              </a:rPr>
-              <a:t> ea. Il1</a:t>
+              <a:rPr lang="en-US" sz="2000" dirty="0">
+                <a:latin typeface="Source Sans Pro ExtraLight" panose="020B0303030403020204" pitchFamily="34" charset="0"/>
+                <a:ea typeface="Source Sans Pro ExtraLight" panose="020B0303030403020204" pitchFamily="34" charset="0"/>
+                <a:cs typeface="Verdana" panose="020B0604030504040204" pitchFamily="34" charset="0"/>
+              </a:rPr>
+              <a:t> eased.</a:t>
             </a:r>
           </a:p>
           <a:p>
             <a:pPr>
               <a:lnSpc>
-                <a:spcPct val="100000"/>
+                <a:spcPct val="150000"/>
               </a:lnSpc>
               <a:spcBef>
                 <a:spcPts val="0"/>
@@ -3978,460 +3594,401 @@
               </a:spcAft>
             </a:pPr>
             <a:r>
-              <a:rPr lang="en-US" sz="1800" dirty="0">
-                <a:latin typeface="Source Sans Pro Light" panose="020B0403030403020204" pitchFamily="34" charset="0"/>
-                <a:ea typeface="Source Sans Pro Light" panose="020B0403030403020204" pitchFamily="34" charset="0"/>
-                <a:cs typeface="Verdana" panose="020B0604030504040204" pitchFamily="34" charset="0"/>
-              </a:rPr>
-              <a:t>Id </a:t>
-            </a:r>
-            <a:r>
-              <a:rPr lang="en-US" sz="1800" dirty="0" err="1">
-                <a:latin typeface="Source Sans Pro Light" panose="020B0403030403020204" pitchFamily="34" charset="0"/>
-                <a:ea typeface="Source Sans Pro Light" panose="020B0403030403020204" pitchFamily="34" charset="0"/>
-                <a:cs typeface="Verdana" panose="020B0604030504040204" pitchFamily="34" charset="0"/>
-              </a:rPr>
-              <a:t>aliquam</a:t>
-            </a:r>
-            <a:r>
-              <a:rPr lang="en-US" sz="1800" dirty="0">
-                <a:latin typeface="Source Sans Pro Light" panose="020B0403030403020204" pitchFamily="34" charset="0"/>
-                <a:ea typeface="Source Sans Pro Light" panose="020B0403030403020204" pitchFamily="34" charset="0"/>
+              <a:rPr lang="en-US" sz="2000" dirty="0">
+                <a:latin typeface="Source Sans Pro ExtraLight" panose="020B0303030403020204" pitchFamily="34" charset="0"/>
+                <a:ea typeface="Source Sans Pro ExtraLight" panose="020B0303030403020204" pitchFamily="34" charset="0"/>
+                <a:cs typeface="Verdana" panose="020B0604030504040204" pitchFamily="34" charset="0"/>
+              </a:rPr>
+              <a:t>Vim </a:t>
+            </a:r>
+            <a:r>
+              <a:rPr lang="en-US" sz="2000" dirty="0" err="1">
+                <a:latin typeface="Source Sans Pro ExtraLight" panose="020B0303030403020204" pitchFamily="34" charset="0"/>
+                <a:ea typeface="Source Sans Pro ExtraLight" panose="020B0303030403020204" pitchFamily="34" charset="0"/>
+                <a:cs typeface="Verdana" panose="020B0604030504040204" pitchFamily="34" charset="0"/>
+              </a:rPr>
+              <a:t>iriure</a:t>
+            </a:r>
+            <a:r>
+              <a:rPr lang="en-US" sz="2000" dirty="0">
+                <a:latin typeface="Source Sans Pro ExtraLight" panose="020B0303030403020204" pitchFamily="34" charset="0"/>
+                <a:ea typeface="Source Sans Pro ExtraLight" panose="020B0303030403020204" pitchFamily="34" charset="0"/>
                 <a:cs typeface="Verdana" panose="020B0604030504040204" pitchFamily="34" charset="0"/>
               </a:rPr>
               <a:t> </a:t>
             </a:r>
             <a:r>
-              <a:rPr lang="en-US" sz="1800" dirty="0" err="1">
-                <a:latin typeface="Source Sans Pro Light" panose="020B0403030403020204" pitchFamily="34" charset="0"/>
-                <a:ea typeface="Source Sans Pro Light" panose="020B0403030403020204" pitchFamily="34" charset="0"/>
-                <a:cs typeface="Verdana" panose="020B0604030504040204" pitchFamily="34" charset="0"/>
-              </a:rPr>
-              <a:t>singulis</a:t>
-            </a:r>
-            <a:r>
-              <a:rPr lang="en-US" sz="1800" dirty="0">
-                <a:latin typeface="Source Sans Pro Light" panose="020B0403030403020204" pitchFamily="34" charset="0"/>
-                <a:ea typeface="Source Sans Pro Light" panose="020B0403030403020204" pitchFamily="34" charset="0"/>
-                <a:cs typeface="Verdana" panose="020B0604030504040204" pitchFamily="34" charset="0"/>
-              </a:rPr>
-              <a:t> pro. </a:t>
-            </a:r>
-            <a:r>
-              <a:rPr lang="en-US" sz="1800" dirty="0" err="1">
-                <a:latin typeface="Source Sans Pro Light" panose="020B0403030403020204" pitchFamily="34" charset="0"/>
-                <a:ea typeface="Source Sans Pro Light" panose="020B0403030403020204" pitchFamily="34" charset="0"/>
-                <a:cs typeface="Verdana" panose="020B0604030504040204" pitchFamily="34" charset="0"/>
-              </a:rPr>
-              <a:t>Nulla</a:t>
-            </a:r>
-            <a:r>
-              <a:rPr lang="en-US" sz="1800" dirty="0">
-                <a:latin typeface="Source Sans Pro Light" panose="020B0403030403020204" pitchFamily="34" charset="0"/>
-                <a:ea typeface="Source Sans Pro Light" panose="020B0403030403020204" pitchFamily="34" charset="0"/>
+              <a:rPr lang="en-US" sz="2000" dirty="0" err="1">
+                <a:latin typeface="Source Sans Pro ExtraLight" panose="020B0303030403020204" pitchFamily="34" charset="0"/>
+                <a:ea typeface="Source Sans Pro ExtraLight" panose="020B0303030403020204" pitchFamily="34" charset="0"/>
+                <a:cs typeface="Verdana" panose="020B0604030504040204" pitchFamily="34" charset="0"/>
+              </a:rPr>
+              <a:t>aeterno</a:t>
+            </a:r>
+            <a:r>
+              <a:rPr lang="en-US" sz="2000" dirty="0">
+                <a:latin typeface="Source Sans Pro ExtraLight" panose="020B0303030403020204" pitchFamily="34" charset="0"/>
+                <a:ea typeface="Source Sans Pro ExtraLight" panose="020B0303030403020204" pitchFamily="34" charset="0"/>
+                <a:cs typeface="Verdana" panose="020B0604030504040204" pitchFamily="34" charset="0"/>
+              </a:rPr>
+              <a:t> at, </a:t>
+            </a:r>
+            <a:r>
+              <a:rPr lang="en-US" sz="2000" dirty="0" err="1">
+                <a:latin typeface="Source Sans Pro ExtraLight" panose="020B0303030403020204" pitchFamily="34" charset="0"/>
+                <a:ea typeface="Source Sans Pro ExtraLight" panose="020B0303030403020204" pitchFamily="34" charset="0"/>
+                <a:cs typeface="Verdana" panose="020B0604030504040204" pitchFamily="34" charset="0"/>
+              </a:rPr>
+              <a:t>ius</a:t>
+            </a:r>
+            <a:r>
+              <a:rPr lang="en-US" sz="2000" dirty="0">
+                <a:latin typeface="Source Sans Pro ExtraLight" panose="020B0303030403020204" pitchFamily="34" charset="0"/>
+                <a:ea typeface="Source Sans Pro ExtraLight" panose="020B0303030403020204" pitchFamily="34" charset="0"/>
+                <a:cs typeface="Verdana" panose="020B0604030504040204" pitchFamily="34" charset="0"/>
+              </a:rPr>
+              <a:t> mundi </a:t>
+            </a:r>
+            <a:r>
+              <a:rPr lang="en-US" sz="2000" dirty="0" err="1">
+                <a:latin typeface="Source Sans Pro ExtraLight" panose="020B0303030403020204" pitchFamily="34" charset="0"/>
+                <a:ea typeface="Source Sans Pro ExtraLight" panose="020B0303030403020204" pitchFamily="34" charset="0"/>
+                <a:cs typeface="Verdana" panose="020B0604030504040204" pitchFamily="34" charset="0"/>
+              </a:rPr>
+              <a:t>persequeris</a:t>
+            </a:r>
+            <a:r>
+              <a:rPr lang="en-US" sz="2000" dirty="0">
+                <a:latin typeface="Source Sans Pro ExtraLight" panose="020B0303030403020204" pitchFamily="34" charset="0"/>
+                <a:ea typeface="Source Sans Pro ExtraLight" panose="020B0303030403020204" pitchFamily="34" charset="0"/>
+                <a:cs typeface="Verdana" panose="020B0604030504040204" pitchFamily="34" charset="0"/>
+              </a:rPr>
+              <a:t> et, </a:t>
+            </a:r>
+            <a:r>
+              <a:rPr lang="en-US" sz="2000" dirty="0" err="1">
+                <a:latin typeface="Source Sans Pro ExtraLight" panose="020B0303030403020204" pitchFamily="34" charset="0"/>
+                <a:ea typeface="Source Sans Pro ExtraLight" panose="020B0303030403020204" pitchFamily="34" charset="0"/>
+                <a:cs typeface="Verdana" panose="020B0604030504040204" pitchFamily="34" charset="0"/>
+              </a:rPr>
+              <a:t>atqui</a:t>
+            </a:r>
+            <a:r>
+              <a:rPr lang="en-US" sz="2000" dirty="0">
+                <a:latin typeface="Source Sans Pro ExtraLight" panose="020B0303030403020204" pitchFamily="34" charset="0"/>
+                <a:ea typeface="Source Sans Pro ExtraLight" panose="020B0303030403020204" pitchFamily="34" charset="0"/>
                 <a:cs typeface="Verdana" panose="020B0604030504040204" pitchFamily="34" charset="0"/>
               </a:rPr>
               <a:t> </a:t>
             </a:r>
             <a:r>
-              <a:rPr lang="en-US" sz="1800" dirty="0" err="1">
-                <a:latin typeface="Source Sans Pro Light" panose="020B0403030403020204" pitchFamily="34" charset="0"/>
-                <a:ea typeface="Source Sans Pro Light" panose="020B0403030403020204" pitchFamily="34" charset="0"/>
-                <a:cs typeface="Verdana" panose="020B0604030504040204" pitchFamily="34" charset="0"/>
-              </a:rPr>
-              <a:t>fastidii</a:t>
-            </a:r>
-            <a:r>
-              <a:rPr lang="en-US" sz="1800" dirty="0">
-                <a:latin typeface="Source Sans Pro Light" panose="020B0403030403020204" pitchFamily="34" charset="0"/>
-                <a:ea typeface="Source Sans Pro Light" panose="020B0403030403020204" pitchFamily="34" charset="0"/>
+              <a:rPr lang="en-US" sz="2000" dirty="0" err="1">
+                <a:latin typeface="Source Sans Pro ExtraLight" panose="020B0303030403020204" pitchFamily="34" charset="0"/>
+                <a:ea typeface="Source Sans Pro ExtraLight" panose="020B0303030403020204" pitchFamily="34" charset="0"/>
+                <a:cs typeface="Verdana" panose="020B0604030504040204" pitchFamily="34" charset="0"/>
+              </a:rPr>
+              <a:t>nominati</a:t>
+            </a:r>
+            <a:r>
+              <a:rPr lang="en-US" sz="2000" dirty="0">
+                <a:latin typeface="Source Sans Pro ExtraLight" panose="020B0303030403020204" pitchFamily="34" charset="0"/>
+                <a:ea typeface="Source Sans Pro ExtraLight" panose="020B0303030403020204" pitchFamily="34" charset="0"/>
+                <a:cs typeface="Verdana" panose="020B0604030504040204" pitchFamily="34" charset="0"/>
+              </a:rPr>
+              <a:t> mandamus </a:t>
+            </a:r>
+            <a:r>
+              <a:rPr lang="en-US" sz="2000" dirty="0" err="1">
+                <a:latin typeface="Source Sans Pro ExtraLight" panose="020B0303030403020204" pitchFamily="34" charset="0"/>
+                <a:ea typeface="Source Sans Pro ExtraLight" panose="020B0303030403020204" pitchFamily="34" charset="0"/>
+                <a:cs typeface="Verdana" panose="020B0604030504040204" pitchFamily="34" charset="0"/>
+              </a:rPr>
+              <a:t>vix</a:t>
+            </a:r>
+            <a:r>
+              <a:rPr lang="en-US" sz="2000" dirty="0">
+                <a:latin typeface="Source Sans Pro ExtraLight" panose="020B0303030403020204" pitchFamily="34" charset="0"/>
+                <a:ea typeface="Source Sans Pro ExtraLight" panose="020B0303030403020204" pitchFamily="34" charset="0"/>
+                <a:cs typeface="Verdana" panose="020B0604030504040204" pitchFamily="34" charset="0"/>
+              </a:rPr>
+              <a:t> ex. </a:t>
+            </a:r>
+            <a:r>
+              <a:rPr lang="en-US" sz="2000" dirty="0" err="1">
+                <a:latin typeface="Source Sans Pro ExtraLight" panose="020B0303030403020204" pitchFamily="34" charset="0"/>
+                <a:ea typeface="Source Sans Pro ExtraLight" panose="020B0303030403020204" pitchFamily="34" charset="0"/>
+                <a:cs typeface="Verdana" panose="020B0604030504040204" pitchFamily="34" charset="0"/>
+              </a:rPr>
+              <a:t>Falli</a:t>
+            </a:r>
+            <a:r>
+              <a:rPr lang="en-US" sz="2000" dirty="0">
+                <a:latin typeface="Source Sans Pro ExtraLight" panose="020B0303030403020204" pitchFamily="34" charset="0"/>
+                <a:ea typeface="Source Sans Pro ExtraLight" panose="020B0303030403020204" pitchFamily="34" charset="0"/>
+                <a:cs typeface="Verdana" panose="020B0604030504040204" pitchFamily="34" charset="0"/>
+              </a:rPr>
+              <a:t> animal </a:t>
+            </a:r>
+            <a:r>
+              <a:rPr lang="en-US" sz="2000" dirty="0" err="1">
+                <a:latin typeface="Source Sans Pro ExtraLight" panose="020B0303030403020204" pitchFamily="34" charset="0"/>
+                <a:ea typeface="Source Sans Pro ExtraLight" panose="020B0303030403020204" pitchFamily="34" charset="0"/>
+                <a:cs typeface="Verdana" panose="020B0604030504040204" pitchFamily="34" charset="0"/>
+              </a:rPr>
+              <a:t>fabellas</a:t>
+            </a:r>
+            <a:r>
+              <a:rPr lang="en-US" sz="2000" dirty="0">
+                <a:latin typeface="Source Sans Pro ExtraLight" panose="020B0303030403020204" pitchFamily="34" charset="0"/>
+                <a:ea typeface="Source Sans Pro ExtraLight" panose="020B0303030403020204" pitchFamily="34" charset="0"/>
                 <a:cs typeface="Verdana" panose="020B0604030504040204" pitchFamily="34" charset="0"/>
               </a:rPr>
               <a:t> </a:t>
             </a:r>
             <a:r>
-              <a:rPr lang="en-US" sz="1800" dirty="0" err="1">
-                <a:latin typeface="Source Sans Pro Light" panose="020B0403030403020204" pitchFamily="34" charset="0"/>
-                <a:ea typeface="Source Sans Pro Light" panose="020B0403030403020204" pitchFamily="34" charset="0"/>
-                <a:cs typeface="Verdana" panose="020B0604030504040204" pitchFamily="34" charset="0"/>
-              </a:rPr>
-              <a:t>mea</a:t>
-            </a:r>
-            <a:r>
-              <a:rPr lang="en-US" sz="1800" dirty="0">
-                <a:latin typeface="Source Sans Pro Light" panose="020B0403030403020204" pitchFamily="34" charset="0"/>
-                <a:ea typeface="Source Sans Pro Light" panose="020B0403030403020204" pitchFamily="34" charset="0"/>
+              <a:rPr lang="en-US" sz="2000" dirty="0" err="1">
+                <a:latin typeface="Source Sans Pro ExtraLight" panose="020B0303030403020204" pitchFamily="34" charset="0"/>
+                <a:ea typeface="Source Sans Pro ExtraLight" panose="020B0303030403020204" pitchFamily="34" charset="0"/>
+                <a:cs typeface="Verdana" panose="020B0604030504040204" pitchFamily="34" charset="0"/>
+              </a:rPr>
+              <a:t>ea</a:t>
+            </a:r>
+            <a:r>
+              <a:rPr lang="en-US" sz="2000" dirty="0">
+                <a:latin typeface="Source Sans Pro ExtraLight" panose="020B0303030403020204" pitchFamily="34" charset="0"/>
+                <a:ea typeface="Source Sans Pro ExtraLight" panose="020B0303030403020204" pitchFamily="34" charset="0"/>
+                <a:cs typeface="Verdana" panose="020B0604030504040204" pitchFamily="34" charset="0"/>
+              </a:rPr>
+              <a:t> vis. </a:t>
+            </a:r>
+          </a:p>
+          <a:p>
+            <a:pPr>
+              <a:lnSpc>
+                <a:spcPct val="150000"/>
+              </a:lnSpc>
+              <a:spcBef>
+                <a:spcPts val="0"/>
+              </a:spcBef>
+              <a:spcAft>
+                <a:spcPts val="2400"/>
+              </a:spcAft>
+            </a:pPr>
+            <a:r>
+              <a:rPr lang="en-US" sz="2000" dirty="0">
+                <a:latin typeface="Source Sans Pro ExtraLight" panose="020B0303030403020204" pitchFamily="34" charset="0"/>
+                <a:ea typeface="Source Sans Pro ExtraLight" panose="020B0303030403020204" pitchFamily="34" charset="0"/>
+                <a:cs typeface="Verdana" panose="020B0604030504040204" pitchFamily="34" charset="0"/>
+              </a:rPr>
+              <a:t>An has </a:t>
+            </a:r>
+            <a:r>
+              <a:rPr lang="en-US" sz="2000" dirty="0" err="1">
+                <a:latin typeface="Source Sans Pro ExtraLight" panose="020B0303030403020204" pitchFamily="34" charset="0"/>
+                <a:ea typeface="Source Sans Pro ExtraLight" panose="020B0303030403020204" pitchFamily="34" charset="0"/>
+                <a:cs typeface="Verdana" panose="020B0604030504040204" pitchFamily="34" charset="0"/>
+              </a:rPr>
+              <a:t>vidit</a:t>
+            </a:r>
+            <a:r>
+              <a:rPr lang="en-US" sz="2000" dirty="0">
+                <a:latin typeface="Source Sans Pro ExtraLight" panose="020B0303030403020204" pitchFamily="34" charset="0"/>
+                <a:ea typeface="Source Sans Pro ExtraLight" panose="020B0303030403020204" pitchFamily="34" charset="0"/>
                 <a:cs typeface="Verdana" panose="020B0604030504040204" pitchFamily="34" charset="0"/>
               </a:rPr>
               <a:t> </a:t>
             </a:r>
             <a:r>
-              <a:rPr lang="en-US" sz="1800" dirty="0" err="1">
-                <a:latin typeface="Source Sans Pro Light" panose="020B0403030403020204" pitchFamily="34" charset="0"/>
-                <a:ea typeface="Source Sans Pro Light" panose="020B0403030403020204" pitchFamily="34" charset="0"/>
+              <a:rPr lang="en-US" sz="2000" dirty="0" err="1">
+                <a:latin typeface="Source Sans Pro ExtraLight" panose="020B0303030403020204" pitchFamily="34" charset="0"/>
+                <a:ea typeface="Source Sans Pro ExtraLight" panose="020B0303030403020204" pitchFamily="34" charset="0"/>
+                <a:cs typeface="Verdana" panose="020B0604030504040204" pitchFamily="34" charset="0"/>
+              </a:rPr>
+              <a:t>decore</a:t>
+            </a:r>
+            <a:r>
+              <a:rPr lang="en-US" sz="2000" dirty="0">
+                <a:latin typeface="Source Sans Pro ExtraLight" panose="020B0303030403020204" pitchFamily="34" charset="0"/>
+                <a:ea typeface="Source Sans Pro ExtraLight" panose="020B0303030403020204" pitchFamily="34" charset="0"/>
+                <a:cs typeface="Verdana" panose="020B0604030504040204" pitchFamily="34" charset="0"/>
+              </a:rPr>
+              <a:t> </a:t>
+            </a:r>
+            <a:r>
+              <a:rPr lang="en-US" sz="2000" dirty="0" err="1">
+                <a:latin typeface="Source Sans Pro ExtraLight" panose="020B0303030403020204" pitchFamily="34" charset="0"/>
+                <a:ea typeface="Source Sans Pro ExtraLight" panose="020B0303030403020204" pitchFamily="34" charset="0"/>
+                <a:cs typeface="Verdana" panose="020B0604030504040204" pitchFamily="34" charset="0"/>
+              </a:rPr>
+              <a:t>interpretaris</a:t>
+            </a:r>
+            <a:r>
+              <a:rPr lang="en-US" sz="2000" dirty="0">
+                <a:latin typeface="Source Sans Pro ExtraLight" panose="020B0303030403020204" pitchFamily="34" charset="0"/>
+                <a:ea typeface="Source Sans Pro ExtraLight" panose="020B0303030403020204" pitchFamily="34" charset="0"/>
+                <a:cs typeface="Verdana" panose="020B0604030504040204" pitchFamily="34" charset="0"/>
+              </a:rPr>
+              <a:t>, </a:t>
+            </a:r>
+            <a:r>
+              <a:rPr lang="en-US" sz="2000" dirty="0" err="1">
+                <a:latin typeface="Source Sans Pro ExtraLight" panose="020B0303030403020204" pitchFamily="34" charset="0"/>
+                <a:ea typeface="Source Sans Pro ExtraLight" panose="020B0303030403020204" pitchFamily="34" charset="0"/>
+                <a:cs typeface="Verdana" panose="020B0604030504040204" pitchFamily="34" charset="0"/>
+              </a:rPr>
+              <a:t>elit</a:t>
+            </a:r>
+            <a:r>
+              <a:rPr lang="en-US" sz="2000" dirty="0">
+                <a:latin typeface="Source Sans Pro ExtraLight" panose="020B0303030403020204" pitchFamily="34" charset="0"/>
+                <a:ea typeface="Source Sans Pro ExtraLight" panose="020B0303030403020204" pitchFamily="34" charset="0"/>
+                <a:cs typeface="Verdana" panose="020B0604030504040204" pitchFamily="34" charset="0"/>
+              </a:rPr>
+              <a:t> </a:t>
+            </a:r>
+            <a:r>
+              <a:rPr lang="en-US" sz="2000" dirty="0" err="1">
+                <a:latin typeface="Source Sans Pro ExtraLight" panose="020B0303030403020204" pitchFamily="34" charset="0"/>
+                <a:ea typeface="Source Sans Pro ExtraLight" panose="020B0303030403020204" pitchFamily="34" charset="0"/>
+                <a:cs typeface="Verdana" panose="020B0604030504040204" pitchFamily="34" charset="0"/>
+              </a:rPr>
+              <a:t>rebum</a:t>
+            </a:r>
+            <a:r>
+              <a:rPr lang="en-US" sz="2000" dirty="0">
+                <a:latin typeface="Source Sans Pro ExtraLight" panose="020B0303030403020204" pitchFamily="34" charset="0"/>
+                <a:ea typeface="Source Sans Pro ExtraLight" panose="020B0303030403020204" pitchFamily="34" charset="0"/>
+                <a:cs typeface="Verdana" panose="020B0604030504040204" pitchFamily="34" charset="0"/>
+              </a:rPr>
+              <a:t> </a:t>
+            </a:r>
+            <a:r>
+              <a:rPr lang="en-US" sz="2000" dirty="0" err="1">
+                <a:latin typeface="Source Sans Pro ExtraLight" panose="020B0303030403020204" pitchFamily="34" charset="0"/>
+                <a:ea typeface="Source Sans Pro ExtraLight" panose="020B0303030403020204" pitchFamily="34" charset="0"/>
+                <a:cs typeface="Verdana" panose="020B0604030504040204" pitchFamily="34" charset="0"/>
+              </a:rPr>
+              <a:t>integre</a:t>
+            </a:r>
+            <a:r>
+              <a:rPr lang="en-US" sz="2000" dirty="0">
+                <a:latin typeface="Source Sans Pro ExtraLight" panose="020B0303030403020204" pitchFamily="34" charset="0"/>
+                <a:ea typeface="Source Sans Pro ExtraLight" panose="020B0303030403020204" pitchFamily="34" charset="0"/>
+                <a:cs typeface="Verdana" panose="020B0604030504040204" pitchFamily="34" charset="0"/>
+              </a:rPr>
+              <a:t> ne sed. </a:t>
+            </a:r>
+            <a:r>
+              <a:rPr lang="en-US" sz="2000" dirty="0" err="1">
+                <a:latin typeface="Source Sans Pro ExtraLight" panose="020B0303030403020204" pitchFamily="34" charset="0"/>
+                <a:ea typeface="Source Sans Pro ExtraLight" panose="020B0303030403020204" pitchFamily="34" charset="0"/>
+                <a:cs typeface="Verdana" panose="020B0604030504040204" pitchFamily="34" charset="0"/>
+              </a:rPr>
+              <a:t>Mollis</a:t>
+            </a:r>
+            <a:r>
+              <a:rPr lang="en-US" sz="2000" dirty="0">
+                <a:latin typeface="Source Sans Pro ExtraLight" panose="020B0303030403020204" pitchFamily="34" charset="0"/>
+                <a:ea typeface="Source Sans Pro ExtraLight" panose="020B0303030403020204" pitchFamily="34" charset="0"/>
+                <a:cs typeface="Verdana" panose="020B0604030504040204" pitchFamily="34" charset="0"/>
+              </a:rPr>
+              <a:t> </a:t>
+            </a:r>
+            <a:r>
+              <a:rPr lang="en-US" sz="2000" dirty="0" err="1">
+                <a:latin typeface="Source Sans Pro ExtraLight" panose="020B0303030403020204" pitchFamily="34" charset="0"/>
+                <a:ea typeface="Source Sans Pro ExtraLight" panose="020B0303030403020204" pitchFamily="34" charset="0"/>
+                <a:cs typeface="Verdana" panose="020B0604030504040204" pitchFamily="34" charset="0"/>
+              </a:rPr>
+              <a:t>nonumes</a:t>
+            </a:r>
+            <a:r>
+              <a:rPr lang="en-US" sz="2000" dirty="0">
+                <a:latin typeface="Source Sans Pro ExtraLight" panose="020B0303030403020204" pitchFamily="34" charset="0"/>
+                <a:ea typeface="Source Sans Pro ExtraLight" panose="020B0303030403020204" pitchFamily="34" charset="0"/>
+                <a:cs typeface="Verdana" panose="020B0604030504040204" pitchFamily="34" charset="0"/>
+              </a:rPr>
+              <a:t> </a:t>
+            </a:r>
+            <a:r>
+              <a:rPr lang="en-US" sz="2000" dirty="0" err="1">
+                <a:latin typeface="Source Sans Pro ExtraLight" panose="020B0303030403020204" pitchFamily="34" charset="0"/>
+                <a:ea typeface="Source Sans Pro ExtraLight" panose="020B0303030403020204" pitchFamily="34" charset="0"/>
                 <a:cs typeface="Verdana" panose="020B0604030504040204" pitchFamily="34" charset="0"/>
               </a:rPr>
               <a:t>ut</a:t>
             </a:r>
             <a:r>
-              <a:rPr lang="en-US" sz="1800" dirty="0">
-                <a:latin typeface="Source Sans Pro Light" panose="020B0403030403020204" pitchFamily="34" charset="0"/>
-                <a:ea typeface="Source Sans Pro Light" panose="020B0403030403020204" pitchFamily="34" charset="0"/>
-                <a:cs typeface="Verdana" panose="020B0604030504040204" pitchFamily="34" charset="0"/>
-              </a:rPr>
-              <a:t>, </a:t>
-            </a:r>
-            <a:r>
-              <a:rPr lang="en-US" sz="1800" dirty="0" err="1">
-                <a:latin typeface="Source Sans Pro Light" panose="020B0403030403020204" pitchFamily="34" charset="0"/>
-                <a:ea typeface="Source Sans Pro Light" panose="020B0403030403020204" pitchFamily="34" charset="0"/>
-                <a:cs typeface="Verdana" panose="020B0604030504040204" pitchFamily="34" charset="0"/>
-              </a:rPr>
-              <a:t>erat</a:t>
-            </a:r>
-            <a:r>
-              <a:rPr lang="en-US" sz="1800" dirty="0">
-                <a:latin typeface="Source Sans Pro Light" panose="020B0403030403020204" pitchFamily="34" charset="0"/>
-                <a:ea typeface="Source Sans Pro Light" panose="020B0403030403020204" pitchFamily="34" charset="0"/>
+              <a:rPr lang="en-US" sz="2000" dirty="0">
+                <a:latin typeface="Source Sans Pro ExtraLight" panose="020B0303030403020204" pitchFamily="34" charset="0"/>
+                <a:ea typeface="Source Sans Pro ExtraLight" panose="020B0303030403020204" pitchFamily="34" charset="0"/>
                 <a:cs typeface="Verdana" panose="020B0604030504040204" pitchFamily="34" charset="0"/>
               </a:rPr>
               <a:t> </a:t>
             </a:r>
             <a:r>
-              <a:rPr lang="en-US" sz="1800" dirty="0" err="1">
-                <a:latin typeface="Source Sans Pro Light" panose="020B0403030403020204" pitchFamily="34" charset="0"/>
-                <a:ea typeface="Source Sans Pro Light" panose="020B0403030403020204" pitchFamily="34" charset="0"/>
-                <a:cs typeface="Verdana" panose="020B0604030504040204" pitchFamily="34" charset="0"/>
-              </a:rPr>
-              <a:t>persius</a:t>
-            </a:r>
-            <a:r>
-              <a:rPr lang="en-US" sz="1800" dirty="0">
-                <a:latin typeface="Source Sans Pro Light" panose="020B0403030403020204" pitchFamily="34" charset="0"/>
-                <a:ea typeface="Source Sans Pro Light" panose="020B0403030403020204" pitchFamily="34" charset="0"/>
+              <a:rPr lang="en-US" sz="2000" dirty="0" err="1">
+                <a:latin typeface="Source Sans Pro ExtraLight" panose="020B0303030403020204" pitchFamily="34" charset="0"/>
+                <a:ea typeface="Source Sans Pro ExtraLight" panose="020B0303030403020204" pitchFamily="34" charset="0"/>
+                <a:cs typeface="Verdana" panose="020B0604030504040204" pitchFamily="34" charset="0"/>
+              </a:rPr>
+              <a:t>eum</a:t>
+            </a:r>
+            <a:r>
+              <a:rPr lang="en-US" sz="2000" dirty="0">
+                <a:latin typeface="Source Sans Pro ExtraLight" panose="020B0303030403020204" pitchFamily="34" charset="0"/>
+                <a:ea typeface="Source Sans Pro ExtraLight" panose="020B0303030403020204" pitchFamily="34" charset="0"/>
+                <a:cs typeface="Verdana" panose="020B0604030504040204" pitchFamily="34" charset="0"/>
+              </a:rPr>
+              <a:t>, pro </a:t>
+            </a:r>
+            <a:r>
+              <a:rPr lang="en-US" sz="2000" dirty="0" err="1">
+                <a:latin typeface="Source Sans Pro ExtraLight" panose="020B0303030403020204" pitchFamily="34" charset="0"/>
+                <a:ea typeface="Source Sans Pro ExtraLight" panose="020B0303030403020204" pitchFamily="34" charset="0"/>
+                <a:cs typeface="Verdana" panose="020B0604030504040204" pitchFamily="34" charset="0"/>
+              </a:rPr>
+              <a:t>scripta</a:t>
+            </a:r>
+            <a:r>
+              <a:rPr lang="en-US" sz="2000" dirty="0">
+                <a:latin typeface="Source Sans Pro ExtraLight" panose="020B0303030403020204" pitchFamily="34" charset="0"/>
+                <a:ea typeface="Source Sans Pro ExtraLight" panose="020B0303030403020204" pitchFamily="34" charset="0"/>
                 <a:cs typeface="Verdana" panose="020B0604030504040204" pitchFamily="34" charset="0"/>
               </a:rPr>
               <a:t> </a:t>
             </a:r>
             <a:r>
-              <a:rPr lang="en-US" sz="1800" dirty="0" err="1">
-                <a:latin typeface="Source Sans Pro Light" panose="020B0403030403020204" pitchFamily="34" charset="0"/>
-                <a:ea typeface="Source Sans Pro Light" panose="020B0403030403020204" pitchFamily="34" charset="0"/>
-                <a:cs typeface="Verdana" panose="020B0604030504040204" pitchFamily="34" charset="0"/>
-              </a:rPr>
-              <a:t>ea</a:t>
-            </a:r>
-            <a:r>
-              <a:rPr lang="en-US" sz="1800" dirty="0">
-                <a:latin typeface="Source Sans Pro Light" panose="020B0403030403020204" pitchFamily="34" charset="0"/>
-                <a:ea typeface="Source Sans Pro Light" panose="020B0403030403020204" pitchFamily="34" charset="0"/>
+              <a:rPr lang="en-US" sz="2000" dirty="0" err="1">
+                <a:latin typeface="Source Sans Pro ExtraLight" panose="020B0303030403020204" pitchFamily="34" charset="0"/>
+                <a:ea typeface="Source Sans Pro ExtraLight" panose="020B0303030403020204" pitchFamily="34" charset="0"/>
+                <a:cs typeface="Verdana" panose="020B0604030504040204" pitchFamily="34" charset="0"/>
+              </a:rPr>
+              <a:t>dolorum</a:t>
+            </a:r>
+            <a:r>
+              <a:rPr lang="en-US" sz="2000" dirty="0">
+                <a:latin typeface="Source Sans Pro ExtraLight" panose="020B0303030403020204" pitchFamily="34" charset="0"/>
+                <a:ea typeface="Source Sans Pro ExtraLight" panose="020B0303030403020204" pitchFamily="34" charset="0"/>
                 <a:cs typeface="Verdana" panose="020B0604030504040204" pitchFamily="34" charset="0"/>
               </a:rPr>
               <a:t> </a:t>
             </a:r>
             <a:r>
-              <a:rPr lang="en-US" sz="1800" dirty="0" err="1">
-                <a:latin typeface="Source Sans Pro Light" panose="020B0403030403020204" pitchFamily="34" charset="0"/>
-                <a:ea typeface="Source Sans Pro Light" panose="020B0403030403020204" pitchFamily="34" charset="0"/>
-                <a:cs typeface="Verdana" panose="020B0604030504040204" pitchFamily="34" charset="0"/>
-              </a:rPr>
-              <a:t>nam</a:t>
-            </a:r>
-            <a:r>
-              <a:rPr lang="en-US" sz="1800" dirty="0">
-                <a:latin typeface="Source Sans Pro Light" panose="020B0403030403020204" pitchFamily="34" charset="0"/>
-                <a:ea typeface="Source Sans Pro Light" panose="020B0403030403020204" pitchFamily="34" charset="0"/>
-                <a:cs typeface="Verdana" panose="020B0604030504040204" pitchFamily="34" charset="0"/>
-              </a:rPr>
-              <a:t>. His ne </a:t>
-            </a:r>
-            <a:r>
-              <a:rPr lang="en-US" sz="1800" dirty="0" err="1">
-                <a:latin typeface="Source Sans Pro Light" panose="020B0403030403020204" pitchFamily="34" charset="0"/>
-                <a:ea typeface="Source Sans Pro Light" panose="020B0403030403020204" pitchFamily="34" charset="0"/>
-                <a:cs typeface="Verdana" panose="020B0604030504040204" pitchFamily="34" charset="0"/>
-              </a:rPr>
-              <a:t>autem</a:t>
-            </a:r>
-            <a:r>
-              <a:rPr lang="en-US" sz="1800" dirty="0">
-                <a:latin typeface="Source Sans Pro Light" panose="020B0403030403020204" pitchFamily="34" charset="0"/>
-                <a:ea typeface="Source Sans Pro Light" panose="020B0403030403020204" pitchFamily="34" charset="0"/>
-                <a:cs typeface="Verdana" panose="020B0604030504040204" pitchFamily="34" charset="0"/>
-              </a:rPr>
-              <a:t> </a:t>
-            </a:r>
-            <a:r>
-              <a:rPr lang="en-US" sz="1800" dirty="0" err="1">
-                <a:latin typeface="Source Sans Pro Light" panose="020B0403030403020204" pitchFamily="34" charset="0"/>
-                <a:ea typeface="Source Sans Pro Light" panose="020B0403030403020204" pitchFamily="34" charset="0"/>
-                <a:cs typeface="Verdana" panose="020B0604030504040204" pitchFamily="34" charset="0"/>
-              </a:rPr>
-              <a:t>omnes</a:t>
-            </a:r>
-            <a:r>
-              <a:rPr lang="en-US" sz="1800" dirty="0">
-                <a:latin typeface="Source Sans Pro Light" panose="020B0403030403020204" pitchFamily="34" charset="0"/>
-                <a:ea typeface="Source Sans Pro Light" panose="020B0403030403020204" pitchFamily="34" charset="0"/>
-                <a:cs typeface="Verdana" panose="020B0604030504040204" pitchFamily="34" charset="0"/>
-              </a:rPr>
-              <a:t>. Vitae </a:t>
-            </a:r>
-            <a:r>
-              <a:rPr lang="en-US" sz="1800" dirty="0" err="1">
-                <a:latin typeface="Source Sans Pro Light" panose="020B0403030403020204" pitchFamily="34" charset="0"/>
-                <a:ea typeface="Source Sans Pro Light" panose="020B0403030403020204" pitchFamily="34" charset="0"/>
-                <a:cs typeface="Verdana" panose="020B0604030504040204" pitchFamily="34" charset="0"/>
-              </a:rPr>
-              <a:t>aliquip</a:t>
-            </a:r>
-            <a:r>
-              <a:rPr lang="en-US" sz="1800" dirty="0">
-                <a:latin typeface="Source Sans Pro Light" panose="020B0403030403020204" pitchFamily="34" charset="0"/>
-                <a:ea typeface="Source Sans Pro Light" panose="020B0403030403020204" pitchFamily="34" charset="0"/>
-                <a:cs typeface="Verdana" panose="020B0604030504040204" pitchFamily="34" charset="0"/>
-              </a:rPr>
-              <a:t> </a:t>
-            </a:r>
-            <a:r>
-              <a:rPr lang="en-US" sz="1800" dirty="0" err="1">
-                <a:latin typeface="Source Sans Pro Light" panose="020B0403030403020204" pitchFamily="34" charset="0"/>
-                <a:ea typeface="Source Sans Pro Light" panose="020B0403030403020204" pitchFamily="34" charset="0"/>
-                <a:cs typeface="Verdana" panose="020B0604030504040204" pitchFamily="34" charset="0"/>
-              </a:rPr>
-              <a:t>feugiat</a:t>
-            </a:r>
-            <a:r>
-              <a:rPr lang="en-US" sz="1800" dirty="0">
-                <a:latin typeface="Source Sans Pro Light" panose="020B0403030403020204" pitchFamily="34" charset="0"/>
-                <a:ea typeface="Source Sans Pro Light" panose="020B0403030403020204" pitchFamily="34" charset="0"/>
-                <a:cs typeface="Verdana" panose="020B0604030504040204" pitchFamily="34" charset="0"/>
-              </a:rPr>
-              <a:t> </a:t>
-            </a:r>
-            <a:r>
-              <a:rPr lang="en-US" sz="1800" dirty="0" err="1">
-                <a:latin typeface="Source Sans Pro Light" panose="020B0403030403020204" pitchFamily="34" charset="0"/>
-                <a:ea typeface="Source Sans Pro Light" panose="020B0403030403020204" pitchFamily="34" charset="0"/>
-                <a:cs typeface="Verdana" panose="020B0604030504040204" pitchFamily="34" charset="0"/>
-              </a:rPr>
-              <a:t>usu</a:t>
-            </a:r>
-            <a:r>
-              <a:rPr lang="en-US" sz="1800" dirty="0">
-                <a:latin typeface="Source Sans Pro Light" panose="020B0403030403020204" pitchFamily="34" charset="0"/>
-                <a:ea typeface="Source Sans Pro Light" panose="020B0403030403020204" pitchFamily="34" charset="0"/>
-                <a:cs typeface="Verdana" panose="020B0604030504040204" pitchFamily="34" charset="0"/>
-              </a:rPr>
-              <a:t> </a:t>
-            </a:r>
-            <a:r>
-              <a:rPr lang="en-US" sz="1800" dirty="0" err="1">
-                <a:latin typeface="Source Sans Pro Light" panose="020B0403030403020204" pitchFamily="34" charset="0"/>
-                <a:ea typeface="Source Sans Pro Light" panose="020B0403030403020204" pitchFamily="34" charset="0"/>
-                <a:cs typeface="Verdana" panose="020B0604030504040204" pitchFamily="34" charset="0"/>
-              </a:rPr>
-              <a:t>eu</a:t>
-            </a:r>
-            <a:r>
-              <a:rPr lang="en-US" sz="1800" dirty="0">
-                <a:latin typeface="Source Sans Pro Light" panose="020B0403030403020204" pitchFamily="34" charset="0"/>
-                <a:ea typeface="Source Sans Pro Light" panose="020B0403030403020204" pitchFamily="34" charset="0"/>
-                <a:cs typeface="Verdana" panose="020B0604030504040204" pitchFamily="34" charset="0"/>
-              </a:rPr>
-              <a:t>, </a:t>
-            </a:r>
-            <a:r>
-              <a:rPr lang="en-US" sz="1800" dirty="0" err="1">
-                <a:latin typeface="Source Sans Pro Light" panose="020B0403030403020204" pitchFamily="34" charset="0"/>
-                <a:ea typeface="Source Sans Pro Light" panose="020B0403030403020204" pitchFamily="34" charset="0"/>
-                <a:cs typeface="Verdana" panose="020B0604030504040204" pitchFamily="34" charset="0"/>
-              </a:rPr>
-              <a:t>nam</a:t>
-            </a:r>
-            <a:r>
-              <a:rPr lang="en-US" sz="1800" dirty="0">
-                <a:latin typeface="Source Sans Pro Light" panose="020B0403030403020204" pitchFamily="34" charset="0"/>
-                <a:ea typeface="Source Sans Pro Light" panose="020B0403030403020204" pitchFamily="34" charset="0"/>
-                <a:cs typeface="Verdana" panose="020B0604030504040204" pitchFamily="34" charset="0"/>
-              </a:rPr>
-              <a:t> </a:t>
-            </a:r>
-            <a:r>
-              <a:rPr lang="en-US" sz="1800" dirty="0" err="1">
-                <a:latin typeface="Source Sans Pro Light" panose="020B0403030403020204" pitchFamily="34" charset="0"/>
-                <a:ea typeface="Source Sans Pro Light" panose="020B0403030403020204" pitchFamily="34" charset="0"/>
-                <a:cs typeface="Verdana" panose="020B0604030504040204" pitchFamily="34" charset="0"/>
-              </a:rPr>
-              <a:t>nullam</a:t>
-            </a:r>
-            <a:r>
-              <a:rPr lang="en-US" sz="1800" dirty="0">
-                <a:latin typeface="Source Sans Pro Light" panose="020B0403030403020204" pitchFamily="34" charset="0"/>
-                <a:ea typeface="Source Sans Pro Light" panose="020B0403030403020204" pitchFamily="34" charset="0"/>
-                <a:cs typeface="Verdana" panose="020B0604030504040204" pitchFamily="34" charset="0"/>
-              </a:rPr>
-              <a:t> </a:t>
-            </a:r>
-            <a:r>
-              <a:rPr lang="en-US" sz="1800" dirty="0" err="1">
-                <a:latin typeface="Source Sans Pro Light" panose="020B0403030403020204" pitchFamily="34" charset="0"/>
-                <a:ea typeface="Source Sans Pro Light" panose="020B0403030403020204" pitchFamily="34" charset="0"/>
-                <a:cs typeface="Verdana" panose="020B0604030504040204" pitchFamily="34" charset="0"/>
-              </a:rPr>
-              <a:t>putent</a:t>
-            </a:r>
-            <a:r>
-              <a:rPr lang="en-US" sz="1800" dirty="0">
-                <a:latin typeface="Source Sans Pro Light" panose="020B0403030403020204" pitchFamily="34" charset="0"/>
-                <a:ea typeface="Source Sans Pro Light" panose="020B0403030403020204" pitchFamily="34" charset="0"/>
-                <a:cs typeface="Verdana" panose="020B0604030504040204" pitchFamily="34" charset="0"/>
-              </a:rPr>
-              <a:t> </a:t>
-            </a:r>
-            <a:r>
-              <a:rPr lang="en-US" sz="1800" dirty="0" err="1">
-                <a:latin typeface="Source Sans Pro Light" panose="020B0403030403020204" pitchFamily="34" charset="0"/>
-                <a:ea typeface="Source Sans Pro Light" panose="020B0403030403020204" pitchFamily="34" charset="0"/>
-                <a:cs typeface="Verdana" panose="020B0604030504040204" pitchFamily="34" charset="0"/>
-              </a:rPr>
-              <a:t>inciderint</a:t>
-            </a:r>
-            <a:r>
-              <a:rPr lang="en-US" sz="1800" dirty="0">
-                <a:latin typeface="Source Sans Pro Light" panose="020B0403030403020204" pitchFamily="34" charset="0"/>
-                <a:ea typeface="Source Sans Pro Light" panose="020B0403030403020204" pitchFamily="34" charset="0"/>
-                <a:cs typeface="Verdana" panose="020B0604030504040204" pitchFamily="34" charset="0"/>
-              </a:rPr>
-              <a:t> ex. </a:t>
-            </a:r>
-            <a:r>
-              <a:rPr lang="en-US" sz="1800" dirty="0" err="1">
-                <a:latin typeface="Source Sans Pro Light" panose="020B0403030403020204" pitchFamily="34" charset="0"/>
-                <a:ea typeface="Source Sans Pro Light" panose="020B0403030403020204" pitchFamily="34" charset="0"/>
-                <a:cs typeface="Verdana" panose="020B0604030504040204" pitchFamily="34" charset="0"/>
-              </a:rPr>
-              <a:t>Usu</a:t>
-            </a:r>
-            <a:r>
-              <a:rPr lang="en-US" sz="1800" dirty="0">
-                <a:latin typeface="Source Sans Pro Light" panose="020B0403030403020204" pitchFamily="34" charset="0"/>
-                <a:ea typeface="Source Sans Pro Light" panose="020B0403030403020204" pitchFamily="34" charset="0"/>
-                <a:cs typeface="Verdana" panose="020B0604030504040204" pitchFamily="34" charset="0"/>
-              </a:rPr>
-              <a:t> </a:t>
-            </a:r>
-            <a:r>
-              <a:rPr lang="en-US" sz="1800" dirty="0" err="1">
-                <a:latin typeface="Source Sans Pro Light" panose="020B0403030403020204" pitchFamily="34" charset="0"/>
-                <a:ea typeface="Source Sans Pro Light" panose="020B0403030403020204" pitchFamily="34" charset="0"/>
-                <a:cs typeface="Verdana" panose="020B0604030504040204" pitchFamily="34" charset="0"/>
-              </a:rPr>
-              <a:t>suas</a:t>
-            </a:r>
-            <a:r>
-              <a:rPr lang="en-US" sz="1800" dirty="0">
-                <a:latin typeface="Source Sans Pro Light" panose="020B0403030403020204" pitchFamily="34" charset="0"/>
-                <a:ea typeface="Source Sans Pro Light" panose="020B0403030403020204" pitchFamily="34" charset="0"/>
-                <a:cs typeface="Verdana" panose="020B0604030504040204" pitchFamily="34" charset="0"/>
-              </a:rPr>
-              <a:t> </a:t>
-            </a:r>
-            <a:r>
-              <a:rPr lang="en-US" sz="1800" dirty="0" err="1">
-                <a:latin typeface="Source Sans Pro Light" panose="020B0403030403020204" pitchFamily="34" charset="0"/>
-                <a:ea typeface="Source Sans Pro Light" panose="020B0403030403020204" pitchFamily="34" charset="0"/>
-                <a:cs typeface="Verdana" panose="020B0604030504040204" pitchFamily="34" charset="0"/>
-              </a:rPr>
-              <a:t>nostrud</a:t>
-            </a:r>
-            <a:r>
-              <a:rPr lang="en-US" sz="1800" dirty="0">
-                <a:latin typeface="Source Sans Pro Light" panose="020B0403030403020204" pitchFamily="34" charset="0"/>
-                <a:ea typeface="Source Sans Pro Light" panose="020B0403030403020204" pitchFamily="34" charset="0"/>
-                <a:cs typeface="Verdana" panose="020B0604030504040204" pitchFamily="34" charset="0"/>
-              </a:rPr>
-              <a:t> </a:t>
-            </a:r>
-            <a:r>
-              <a:rPr lang="en-US" sz="1800" dirty="0" err="1">
-                <a:latin typeface="Source Sans Pro Light" panose="020B0403030403020204" pitchFamily="34" charset="0"/>
-                <a:ea typeface="Source Sans Pro Light" panose="020B0403030403020204" pitchFamily="34" charset="0"/>
-                <a:cs typeface="Verdana" panose="020B0604030504040204" pitchFamily="34" charset="0"/>
-              </a:rPr>
-              <a:t>dolorem</a:t>
-            </a:r>
-            <a:r>
-              <a:rPr lang="en-US" sz="1800" dirty="0">
-                <a:latin typeface="Source Sans Pro Light" panose="020B0403030403020204" pitchFamily="34" charset="0"/>
-                <a:ea typeface="Source Sans Pro Light" panose="020B0403030403020204" pitchFamily="34" charset="0"/>
-                <a:cs typeface="Verdana" panose="020B0604030504040204" pitchFamily="34" charset="0"/>
-              </a:rPr>
-              <a:t> et, </a:t>
-            </a:r>
-            <a:r>
-              <a:rPr lang="en-US" sz="1800" dirty="0" err="1">
-                <a:latin typeface="Source Sans Pro Light" panose="020B0403030403020204" pitchFamily="34" charset="0"/>
-                <a:ea typeface="Source Sans Pro Light" panose="020B0403030403020204" pitchFamily="34" charset="0"/>
-                <a:cs typeface="Verdana" panose="020B0604030504040204" pitchFamily="34" charset="0"/>
-              </a:rPr>
-              <a:t>tibique</a:t>
-            </a:r>
-            <a:r>
-              <a:rPr lang="en-US" sz="1800" dirty="0">
-                <a:latin typeface="Source Sans Pro Light" panose="020B0403030403020204" pitchFamily="34" charset="0"/>
-                <a:ea typeface="Source Sans Pro Light" panose="020B0403030403020204" pitchFamily="34" charset="0"/>
-                <a:cs typeface="Verdana" panose="020B0604030504040204" pitchFamily="34" charset="0"/>
-              </a:rPr>
-              <a:t> </a:t>
-            </a:r>
-            <a:r>
-              <a:rPr lang="en-US" sz="1800" dirty="0" err="1">
-                <a:latin typeface="Source Sans Pro Light" panose="020B0403030403020204" pitchFamily="34" charset="0"/>
-                <a:ea typeface="Source Sans Pro Light" panose="020B0403030403020204" pitchFamily="34" charset="0"/>
-                <a:cs typeface="Verdana" panose="020B0604030504040204" pitchFamily="34" charset="0"/>
-              </a:rPr>
-              <a:t>sententiae</a:t>
-            </a:r>
-            <a:r>
-              <a:rPr lang="en-US" sz="1800" dirty="0">
-                <a:latin typeface="Source Sans Pro Light" panose="020B0403030403020204" pitchFamily="34" charset="0"/>
-                <a:ea typeface="Source Sans Pro Light" panose="020B0403030403020204" pitchFamily="34" charset="0"/>
-                <a:cs typeface="Verdana" panose="020B0604030504040204" pitchFamily="34" charset="0"/>
-              </a:rPr>
-              <a:t> id per. Vim </a:t>
-            </a:r>
-            <a:r>
-              <a:rPr lang="en-US" sz="1800" dirty="0" err="1">
-                <a:latin typeface="Source Sans Pro Light" panose="020B0403030403020204" pitchFamily="34" charset="0"/>
-                <a:ea typeface="Source Sans Pro Light" panose="020B0403030403020204" pitchFamily="34" charset="0"/>
-                <a:cs typeface="Verdana" panose="020B0604030504040204" pitchFamily="34" charset="0"/>
-              </a:rPr>
-              <a:t>vidit</a:t>
-            </a:r>
-            <a:r>
-              <a:rPr lang="en-US" sz="1800" dirty="0">
-                <a:latin typeface="Source Sans Pro Light" panose="020B0403030403020204" pitchFamily="34" charset="0"/>
-                <a:ea typeface="Source Sans Pro Light" panose="020B0403030403020204" pitchFamily="34" charset="0"/>
-                <a:cs typeface="Verdana" panose="020B0604030504040204" pitchFamily="34" charset="0"/>
-              </a:rPr>
-              <a:t> </a:t>
-            </a:r>
-            <a:r>
-              <a:rPr lang="en-US" sz="1800" dirty="0" err="1">
-                <a:latin typeface="Source Sans Pro Light" panose="020B0403030403020204" pitchFamily="34" charset="0"/>
-                <a:ea typeface="Source Sans Pro Light" panose="020B0403030403020204" pitchFamily="34" charset="0"/>
-                <a:cs typeface="Verdana" panose="020B0604030504040204" pitchFamily="34" charset="0"/>
-              </a:rPr>
-              <a:t>labore</a:t>
-            </a:r>
-            <a:r>
-              <a:rPr lang="en-US" sz="1800" dirty="0">
-                <a:latin typeface="Source Sans Pro Light" panose="020B0403030403020204" pitchFamily="34" charset="0"/>
-                <a:ea typeface="Source Sans Pro Light" panose="020B0403030403020204" pitchFamily="34" charset="0"/>
-                <a:cs typeface="Verdana" panose="020B0604030504040204" pitchFamily="34" charset="0"/>
-              </a:rPr>
-              <a:t> ea.</a:t>
+              <a:rPr lang="en-US" sz="2000" dirty="0" err="1">
+                <a:latin typeface="Source Sans Pro ExtraLight" panose="020B0303030403020204" pitchFamily="34" charset="0"/>
+                <a:ea typeface="Source Sans Pro ExtraLight" panose="020B0303030403020204" pitchFamily="34" charset="0"/>
+                <a:cs typeface="Verdana" panose="020B0604030504040204" pitchFamily="34" charset="0"/>
+              </a:rPr>
+              <a:t>suscipiantur</a:t>
+            </a:r>
+            <a:r>
+              <a:rPr lang="en-US" sz="2000" dirty="0">
+                <a:latin typeface="Source Sans Pro ExtraLight" panose="020B0303030403020204" pitchFamily="34" charset="0"/>
+                <a:ea typeface="Source Sans Pro ExtraLight" panose="020B0303030403020204" pitchFamily="34" charset="0"/>
+                <a:cs typeface="Verdana" panose="020B0604030504040204" pitchFamily="34" charset="0"/>
+              </a:rPr>
+              <a:t> ea. </a:t>
             </a:r>
           </a:p>
         </p:txBody>
@@ -4507,7 +4064,7 @@
         </p:nvGrpSpPr>
         <p:grpSpPr>
           <a:xfrm>
-            <a:off x="6582845" y="1265931"/>
+            <a:off x="6582845" y="1294065"/>
             <a:ext cx="5438272" cy="5010712"/>
             <a:chOff x="6609349" y="1106907"/>
             <a:chExt cx="5438272" cy="5010712"/>
@@ -4837,7 +4394,7 @@
     </p:spTree>
     <p:extLst>
       <p:ext uri="{BB962C8B-B14F-4D97-AF65-F5344CB8AC3E}">
-        <p14:creationId xmlns:p14="http://schemas.microsoft.com/office/powerpoint/2010/main" val="3055784276"/>
+        <p14:creationId xmlns:p14="http://schemas.microsoft.com/office/powerpoint/2010/main" val="1229315296"/>
       </p:ext>
     </p:extLst>
   </p:cSld>
@@ -4876,8 +4433,8 @@
         </p:nvSpPr>
         <p:spPr>
           <a:xfrm>
-            <a:off x="180476" y="1898819"/>
-            <a:ext cx="6306117" cy="4421073"/>
+            <a:off x="405760" y="1435515"/>
+            <a:ext cx="11353104" cy="3260034"/>
           </a:xfrm>
         </p:spPr>
         <p:txBody>
@@ -4888,7 +4445,7 @@
           <a:p>
             <a:pPr>
               <a:lnSpc>
-                <a:spcPct val="100000"/>
+                <a:spcPct val="150000"/>
               </a:lnSpc>
               <a:spcBef>
                 <a:spcPts val="0"/>
@@ -4898,67 +4455,51 @@
               </a:spcAft>
             </a:pPr>
             <a:r>
-              <a:rPr lang="en-US" sz="1800" dirty="0">
-                <a:latin typeface="Source Sans Pro Light" panose="020B0403030403020204" pitchFamily="34" charset="0"/>
-                <a:ea typeface="Source Sans Pro Light" panose="020B0403030403020204" pitchFamily="34" charset="0"/>
+              <a:rPr lang="en-US" sz="2400" dirty="0">
+                <a:latin typeface="Source Sans Pro ExtraLight" panose="020B0303030403020204" pitchFamily="34" charset="0"/>
+                <a:ea typeface="Source Sans Pro ExtraLight" panose="020B0303030403020204" pitchFamily="34" charset="0"/>
                 <a:cs typeface="Verdana" panose="020B0604030504040204" pitchFamily="34" charset="0"/>
               </a:rPr>
               <a:t>Font used for the title of each slide is LM Sans </a:t>
             </a:r>
             <a:r>
-              <a:rPr lang="en-US" sz="1800" dirty="0" err="1">
-                <a:latin typeface="Source Sans Pro Light" panose="020B0403030403020204" pitchFamily="34" charset="0"/>
-                <a:ea typeface="Source Sans Pro Light" panose="020B0403030403020204" pitchFamily="34" charset="0"/>
+              <a:rPr lang="en-US" sz="2400" dirty="0" err="1">
+                <a:latin typeface="Source Sans Pro ExtraLight" panose="020B0303030403020204" pitchFamily="34" charset="0"/>
+                <a:ea typeface="Source Sans Pro ExtraLight" panose="020B0303030403020204" pitchFamily="34" charset="0"/>
                 <a:cs typeface="Verdana" panose="020B0604030504040204" pitchFamily="34" charset="0"/>
               </a:rPr>
               <a:t>Quot</a:t>
             </a:r>
             <a:r>
-              <a:rPr lang="en-US" sz="1800" dirty="0">
-                <a:latin typeface="Source Sans Pro Light" panose="020B0403030403020204" pitchFamily="34" charset="0"/>
-                <a:ea typeface="Source Sans Pro Light" panose="020B0403030403020204" pitchFamily="34" charset="0"/>
+              <a:rPr lang="en-US" sz="2400" dirty="0">
+                <a:latin typeface="Source Sans Pro ExtraLight" panose="020B0303030403020204" pitchFamily="34" charset="0"/>
+                <a:ea typeface="Source Sans Pro ExtraLight" panose="020B0303030403020204" pitchFamily="34" charset="0"/>
                 <a:cs typeface="Verdana" panose="020B0604030504040204" pitchFamily="34" charset="0"/>
               </a:rPr>
               <a:t> 8 and was downloaded from </a:t>
             </a:r>
             <a:r>
-              <a:rPr lang="en-US" sz="1800" dirty="0">
-                <a:latin typeface="Source Sans Pro Light" panose="020B0403030403020204" pitchFamily="34" charset="0"/>
-                <a:ea typeface="Source Sans Pro Light" panose="020B0403030403020204" pitchFamily="34" charset="0"/>
+              <a:rPr lang="en-US" sz="2400" dirty="0">
+                <a:latin typeface="Source Sans Pro ExtraLight" panose="020B0303030403020204" pitchFamily="34" charset="0"/>
+                <a:ea typeface="Source Sans Pro ExtraLight" panose="020B0303030403020204" pitchFamily="34" charset="0"/>
                 <a:cs typeface="Verdana" panose="020B0604030504040204" pitchFamily="34" charset="0"/>
                 <a:hlinkClick r:id="rId2"/>
               </a:rPr>
               <a:t>http://www.gust.org.pl/projects/e-foundry/latin-modern</a:t>
             </a:r>
             <a:r>
-              <a:rPr lang="en-US" sz="1800" dirty="0">
-                <a:latin typeface="Source Sans Pro Light" panose="020B0403030403020204" pitchFamily="34" charset="0"/>
-                <a:ea typeface="Source Sans Pro Light" panose="020B0403030403020204" pitchFamily="34" charset="0"/>
-                <a:cs typeface="Verdana" panose="020B0604030504040204" pitchFamily="34" charset="0"/>
-              </a:rPr>
-              <a:t>. Download </a:t>
-            </a:r>
-            <a:r>
-              <a:rPr lang="en-US" sz="1800">
-                <a:latin typeface="Source Sans Pro Light" panose="020B0403030403020204" pitchFamily="34" charset="0"/>
-                <a:ea typeface="Source Sans Pro Light" panose="020B0403030403020204" pitchFamily="34" charset="0"/>
-                <a:cs typeface="Verdana" panose="020B0604030504040204" pitchFamily="34" charset="0"/>
-              </a:rPr>
-              <a:t>the font </a:t>
-            </a:r>
-            <a:r>
-              <a:rPr lang="en-US" sz="1800" dirty="0">
-                <a:latin typeface="Source Sans Pro Light" panose="020B0403030403020204" pitchFamily="34" charset="0"/>
-                <a:ea typeface="Source Sans Pro Light" panose="020B0403030403020204" pitchFamily="34" charset="0"/>
-                <a:cs typeface="Verdana" panose="020B0604030504040204" pitchFamily="34" charset="0"/>
-              </a:rPr>
-              <a:t>and copy it to your fonts folder.</a:t>
+              <a:rPr lang="en-US" sz="2400" dirty="0">
+                <a:latin typeface="Source Sans Pro ExtraLight" panose="020B0303030403020204" pitchFamily="34" charset="0"/>
+                <a:ea typeface="Source Sans Pro ExtraLight" panose="020B0303030403020204" pitchFamily="34" charset="0"/>
+                <a:cs typeface="Verdana" panose="020B0604030504040204" pitchFamily="34" charset="0"/>
+              </a:rPr>
+              <a:t>. Download the font and copy it to your fonts folder.</a:t>
             </a:r>
           </a:p>
           <a:p>
             <a:pPr>
               <a:lnSpc>
-                <a:spcPct val="100000"/>
+                <a:spcPct val="150000"/>
               </a:lnSpc>
               <a:spcBef>
                 <a:spcPts val="0"/>
@@ -4968,18 +4509,34 @@
               </a:spcAft>
             </a:pPr>
             <a:r>
-              <a:rPr lang="en-US" sz="1800" dirty="0">
-                <a:latin typeface="Source Sans Pro Light" panose="020B0403030403020204" pitchFamily="34" charset="0"/>
-                <a:ea typeface="Source Sans Pro Light" panose="020B0403030403020204" pitchFamily="34" charset="0"/>
-                <a:cs typeface="Verdana" panose="020B0604030504040204" pitchFamily="34" charset="0"/>
-              </a:rPr>
-              <a:t>The font used for the main body of the slide is Source Sans Pro Light and is installed as a part of MS Office. It is a Sans Serif font.</a:t>
+              <a:rPr lang="en-US" sz="2400" dirty="0">
+                <a:latin typeface="Source Sans Pro ExtraLight" panose="020B0303030403020204" pitchFamily="34" charset="0"/>
+                <a:ea typeface="Source Sans Pro ExtraLight" panose="020B0303030403020204" pitchFamily="34" charset="0"/>
+                <a:cs typeface="Verdana" panose="020B0604030504040204" pitchFamily="34" charset="0"/>
+              </a:rPr>
+              <a:t>The font used for the main body of the slide is Source Sans Pro </a:t>
+            </a:r>
+            <a:r>
+              <a:rPr lang="en-US" sz="2400" dirty="0" err="1">
+                <a:latin typeface="Source Sans Pro ExtraLight" panose="020B0303030403020204" pitchFamily="34" charset="0"/>
+                <a:ea typeface="Source Sans Pro ExtraLight" panose="020B0303030403020204" pitchFamily="34" charset="0"/>
+                <a:cs typeface="Verdana" panose="020B0604030504040204" pitchFamily="34" charset="0"/>
+              </a:rPr>
+              <a:t>ExtraLight</a:t>
+            </a:r>
+            <a:r>
+              <a:rPr lang="en-US" sz="2400" dirty="0">
+                <a:latin typeface="Source Sans Pro ExtraLight" panose="020B0303030403020204" pitchFamily="34" charset="0"/>
+                <a:ea typeface="Source Sans Pro ExtraLight" panose="020B0303030403020204" pitchFamily="34" charset="0"/>
+                <a:cs typeface="Verdana" panose="020B0604030504040204" pitchFamily="34" charset="0"/>
+              </a:rPr>
+              <a:t> and is installed as a part of MS Office. It is a Sans Serif font.</a:t>
             </a:r>
           </a:p>
           <a:p>
             <a:pPr>
               <a:lnSpc>
-                <a:spcPct val="100000"/>
+                <a:spcPct val="150000"/>
               </a:lnSpc>
               <a:spcBef>
                 <a:spcPts val="0"/>
@@ -4989,30 +4546,27 @@
               </a:spcAft>
             </a:pPr>
             <a:r>
-              <a:rPr lang="en-US" sz="1800" dirty="0">
-                <a:latin typeface="Source Sans Pro Light" panose="020B0403030403020204" pitchFamily="34" charset="0"/>
-                <a:ea typeface="Source Sans Pro Light" panose="020B0403030403020204" pitchFamily="34" charset="0"/>
+              <a:rPr lang="en-US" sz="2400" dirty="0">
+                <a:latin typeface="Source Sans Pro ExtraLight" panose="020B0303030403020204" pitchFamily="34" charset="0"/>
+                <a:ea typeface="Source Sans Pro ExtraLight" panose="020B0303030403020204" pitchFamily="34" charset="0"/>
                 <a:cs typeface="Verdana" panose="020B0604030504040204" pitchFamily="34" charset="0"/>
               </a:rPr>
               <a:t>The placeholder image in the presentation was downloaded from </a:t>
             </a:r>
             <a:r>
-              <a:rPr lang="en-US" sz="1800" dirty="0">
-                <a:latin typeface="Source Sans Pro Light" panose="020B0403030403020204" pitchFamily="34" charset="0"/>
-                <a:ea typeface="Source Sans Pro Light" panose="020B0403030403020204" pitchFamily="34" charset="0"/>
+              <a:rPr lang="en-US" sz="2400" dirty="0">
+                <a:latin typeface="Source Sans Pro ExtraLight" panose="020B0303030403020204" pitchFamily="34" charset="0"/>
+                <a:ea typeface="Source Sans Pro ExtraLight" panose="020B0303030403020204" pitchFamily="34" charset="0"/>
                 <a:cs typeface="Verdana" panose="020B0604030504040204" pitchFamily="34" charset="0"/>
                 <a:hlinkClick r:id="rId3"/>
               </a:rPr>
               <a:t>https://bytesizemoments.com/wp-content/uploads/2014/04/placeholder.png</a:t>
             </a:r>
-            <a:r>
-              <a:rPr lang="en-US" sz="1800" dirty="0">
-                <a:latin typeface="Source Sans Pro Light" panose="020B0403030403020204" pitchFamily="34" charset="0"/>
-                <a:ea typeface="Source Sans Pro Light" panose="020B0403030403020204" pitchFamily="34" charset="0"/>
-                <a:cs typeface="Verdana" panose="020B0604030504040204" pitchFamily="34" charset="0"/>
-              </a:rPr>
-              <a:t> </a:t>
-            </a:r>
+            <a:endParaRPr lang="en-US" sz="2400" dirty="0">
+              <a:latin typeface="Source Sans Pro ExtraLight" panose="020B0303030403020204" pitchFamily="34" charset="0"/>
+              <a:ea typeface="Source Sans Pro ExtraLight" panose="020B0303030403020204" pitchFamily="34" charset="0"/>
+              <a:cs typeface="Verdana" panose="020B0604030504040204" pitchFamily="34" charset="0"/>
+            </a:endParaRPr>
           </a:p>
         </p:txBody>
       </p:sp>
@@ -5079,305 +4633,6 @@
           </a:p>
         </p:txBody>
       </p:sp>
-      <p:grpSp>
-        <p:nvGrpSpPr>
-          <p:cNvPr id="10" name="Group 9"/>
-          <p:cNvGrpSpPr/>
-          <p:nvPr/>
-        </p:nvGrpSpPr>
-        <p:grpSpPr>
-          <a:xfrm>
-            <a:off x="6582845" y="1265931"/>
-            <a:ext cx="5438272" cy="5010712"/>
-            <a:chOff x="6609349" y="1106907"/>
-            <a:chExt cx="5438272" cy="5010712"/>
-          </a:xfrm>
-        </p:grpSpPr>
-        <p:pic>
-          <p:nvPicPr>
-            <p:cNvPr id="1026" name="Picture 2" descr="https://bytesizemoments.com/wp-content/uploads/2014/04/placeholder.png"/>
-            <p:cNvPicPr>
-              <a:picLocks noChangeAspect="1" noChangeArrowheads="1"/>
-            </p:cNvPicPr>
-            <p:nvPr/>
-          </p:nvPicPr>
-          <p:blipFill>
-            <a:blip r:embed="rId4">
-              <a:extLst>
-                <a:ext uri="{28A0092B-C50C-407E-A947-70E740481C1C}">
-                  <a14:useLocalDpi xmlns:a14="http://schemas.microsoft.com/office/drawing/2010/main" val="0"/>
-                </a:ext>
-              </a:extLst>
-            </a:blip>
-            <a:srcRect/>
-            <a:stretch>
-              <a:fillRect/>
-            </a:stretch>
-          </p:blipFill>
-          <p:spPr bwMode="auto">
-            <a:xfrm>
-              <a:off x="6705601" y="1203201"/>
-              <a:ext cx="5245768" cy="3934327"/>
-            </a:xfrm>
-            <a:prstGeom prst="rect">
-              <a:avLst/>
-            </a:prstGeom>
-            <a:noFill/>
-            <a:extLst>
-              <a:ext uri="{909E8E84-426E-40DD-AFC4-6F175D3DCCD1}">
-                <a14:hiddenFill xmlns:a14="http://schemas.microsoft.com/office/drawing/2010/main">
-                  <a:solidFill>
-                    <a:srgbClr val="FFFFFF"/>
-                  </a:solidFill>
-                </a14:hiddenFill>
-              </a:ext>
-            </a:extLst>
-          </p:spPr>
-        </p:pic>
-        <p:sp>
-          <p:nvSpPr>
-            <p:cNvPr id="8" name="Rectangle: Rounded Corners 7"/>
-            <p:cNvSpPr/>
-            <p:nvPr/>
-          </p:nvSpPr>
-          <p:spPr>
-            <a:xfrm>
-              <a:off x="6609349" y="1106907"/>
-              <a:ext cx="5438272" cy="5010712"/>
-            </a:xfrm>
-            <a:prstGeom prst="roundRect">
-              <a:avLst>
-                <a:gd name="adj" fmla="val 1235"/>
-              </a:avLst>
-            </a:prstGeom>
-            <a:noFill/>
-          </p:spPr>
-          <p:style>
-            <a:lnRef idx="2">
-              <a:schemeClr val="accent2"/>
-            </a:lnRef>
-            <a:fillRef idx="1">
-              <a:schemeClr val="lt1"/>
-            </a:fillRef>
-            <a:effectRef idx="0">
-              <a:schemeClr val="accent2"/>
-            </a:effectRef>
-            <a:fontRef idx="minor">
-              <a:schemeClr val="dk1"/>
-            </a:fontRef>
-          </p:style>
-          <p:txBody>
-            <a:bodyPr rtlCol="0" anchor="ctr"/>
-            <a:lstStyle/>
-            <a:p>
-              <a:pPr algn="ctr"/>
-              <a:endParaRPr lang="en-US"/>
-            </a:p>
-          </p:txBody>
-        </p:sp>
-        <p:sp>
-          <p:nvSpPr>
-            <p:cNvPr id="9" name="TextBox 8"/>
-            <p:cNvSpPr txBox="1"/>
-            <p:nvPr/>
-          </p:nvSpPr>
-          <p:spPr>
-            <a:xfrm>
-              <a:off x="6705601" y="5209503"/>
-              <a:ext cx="5245768" cy="855107"/>
-            </a:xfrm>
-            <a:prstGeom prst="roundRect">
-              <a:avLst>
-                <a:gd name="adj" fmla="val 5795"/>
-              </a:avLst>
-            </a:prstGeom>
-            <a:solidFill>
-              <a:schemeClr val="bg1">
-                <a:lumMod val="95000"/>
-              </a:schemeClr>
-            </a:solidFill>
-            <a:ln>
-              <a:noFill/>
-            </a:ln>
-          </p:spPr>
-          <p:txBody>
-            <a:bodyPr wrap="square" rtlCol="0">
-              <a:spAutoFit/>
-            </a:bodyPr>
-            <a:lstStyle/>
-            <a:p>
-              <a:r>
-                <a:rPr lang="en-US" sz="1600" dirty="0">
-                  <a:latin typeface="Source Sans Pro Semibold" panose="020B0603030403020204" pitchFamily="34" charset="0"/>
-                  <a:ea typeface="Source Sans Pro Semibold" panose="020B0603030403020204" pitchFamily="34" charset="0"/>
-                </a:rPr>
-                <a:t>Figure: </a:t>
-              </a:r>
-              <a:r>
-                <a:rPr lang="en-US" sz="1600" dirty="0">
-                  <a:latin typeface="Source Sans Pro Light" panose="020B0403030403020204" pitchFamily="34" charset="0"/>
-                  <a:ea typeface="Source Sans Pro Light" panose="020B0403030403020204" pitchFamily="34" charset="0"/>
-                </a:rPr>
-                <a:t>Lorem ipsum dolor sit </a:t>
-              </a:r>
-              <a:r>
-                <a:rPr lang="en-US" sz="1600" dirty="0" err="1">
-                  <a:latin typeface="Source Sans Pro Light" panose="020B0403030403020204" pitchFamily="34" charset="0"/>
-                  <a:ea typeface="Source Sans Pro Light" panose="020B0403030403020204" pitchFamily="34" charset="0"/>
-                </a:rPr>
-                <a:t>amet</a:t>
-              </a:r>
-              <a:r>
-                <a:rPr lang="en-US" sz="1600" dirty="0">
-                  <a:latin typeface="Source Sans Pro Light" panose="020B0403030403020204" pitchFamily="34" charset="0"/>
-                  <a:ea typeface="Source Sans Pro Light" panose="020B0403030403020204" pitchFamily="34" charset="0"/>
-                </a:rPr>
-                <a:t>, has cu doming </a:t>
-              </a:r>
-              <a:r>
-                <a:rPr lang="en-US" sz="1600" dirty="0" err="1">
-                  <a:latin typeface="Source Sans Pro Light" panose="020B0403030403020204" pitchFamily="34" charset="0"/>
-                  <a:ea typeface="Source Sans Pro Light" panose="020B0403030403020204" pitchFamily="34" charset="0"/>
-                </a:rPr>
-                <a:t>aliquid</a:t>
-              </a:r>
-              <a:r>
-                <a:rPr lang="en-US" sz="1600" dirty="0">
-                  <a:latin typeface="Source Sans Pro Light" panose="020B0403030403020204" pitchFamily="34" charset="0"/>
-                  <a:ea typeface="Source Sans Pro Light" panose="020B0403030403020204" pitchFamily="34" charset="0"/>
-                </a:rPr>
-                <a:t> </a:t>
-              </a:r>
-              <a:r>
-                <a:rPr lang="en-US" sz="1600" dirty="0" err="1">
-                  <a:latin typeface="Source Sans Pro Light" panose="020B0403030403020204" pitchFamily="34" charset="0"/>
-                  <a:ea typeface="Source Sans Pro Light" panose="020B0403030403020204" pitchFamily="34" charset="0"/>
-                </a:rPr>
-                <a:t>consetetur</a:t>
-              </a:r>
-              <a:r>
-                <a:rPr lang="en-US" sz="1600" dirty="0">
-                  <a:latin typeface="Source Sans Pro Light" panose="020B0403030403020204" pitchFamily="34" charset="0"/>
-                  <a:ea typeface="Source Sans Pro Light" panose="020B0403030403020204" pitchFamily="34" charset="0"/>
-                </a:rPr>
-                <a:t>, no </a:t>
-              </a:r>
-              <a:r>
-                <a:rPr lang="en-US" sz="1600" dirty="0" err="1">
-                  <a:latin typeface="Source Sans Pro Light" panose="020B0403030403020204" pitchFamily="34" charset="0"/>
-                  <a:ea typeface="Source Sans Pro Light" panose="020B0403030403020204" pitchFamily="34" charset="0"/>
-                </a:rPr>
-                <a:t>causae</a:t>
-              </a:r>
-              <a:r>
-                <a:rPr lang="en-US" sz="1600" dirty="0">
-                  <a:latin typeface="Source Sans Pro Light" panose="020B0403030403020204" pitchFamily="34" charset="0"/>
-                  <a:ea typeface="Source Sans Pro Light" panose="020B0403030403020204" pitchFamily="34" charset="0"/>
-                </a:rPr>
-                <a:t> </a:t>
-              </a:r>
-              <a:r>
-                <a:rPr lang="en-US" sz="1600" dirty="0" err="1">
-                  <a:latin typeface="Source Sans Pro Light" panose="020B0403030403020204" pitchFamily="34" charset="0"/>
-                  <a:ea typeface="Source Sans Pro Light" panose="020B0403030403020204" pitchFamily="34" charset="0"/>
-                </a:rPr>
-                <a:t>audire</a:t>
-              </a:r>
-              <a:r>
-                <a:rPr lang="en-US" sz="1600" dirty="0">
-                  <a:latin typeface="Source Sans Pro Light" panose="020B0403030403020204" pitchFamily="34" charset="0"/>
-                  <a:ea typeface="Source Sans Pro Light" panose="020B0403030403020204" pitchFamily="34" charset="0"/>
-                </a:rPr>
-                <a:t> pro. Eos ad </a:t>
-              </a:r>
-              <a:r>
-                <a:rPr lang="en-US" sz="1600" dirty="0" err="1">
-                  <a:latin typeface="Source Sans Pro Light" panose="020B0403030403020204" pitchFamily="34" charset="0"/>
-                  <a:ea typeface="Source Sans Pro Light" panose="020B0403030403020204" pitchFamily="34" charset="0"/>
-                </a:rPr>
-                <a:t>nullam</a:t>
-              </a:r>
-              <a:r>
-                <a:rPr lang="en-US" sz="1600" dirty="0">
-                  <a:latin typeface="Source Sans Pro Light" panose="020B0403030403020204" pitchFamily="34" charset="0"/>
-                  <a:ea typeface="Source Sans Pro Light" panose="020B0403030403020204" pitchFamily="34" charset="0"/>
-                </a:rPr>
-                <a:t> </a:t>
-              </a:r>
-              <a:r>
-                <a:rPr lang="en-US" sz="1600" dirty="0" err="1">
-                  <a:latin typeface="Source Sans Pro Light" panose="020B0403030403020204" pitchFamily="34" charset="0"/>
-                  <a:ea typeface="Source Sans Pro Light" panose="020B0403030403020204" pitchFamily="34" charset="0"/>
-                </a:rPr>
-                <a:t>legendos</a:t>
-              </a:r>
-              <a:r>
-                <a:rPr lang="en-US" sz="1600" dirty="0">
-                  <a:latin typeface="Source Sans Pro Light" panose="020B0403030403020204" pitchFamily="34" charset="0"/>
-                  <a:ea typeface="Source Sans Pro Light" panose="020B0403030403020204" pitchFamily="34" charset="0"/>
-                </a:rPr>
-                <a:t> </a:t>
-              </a:r>
-              <a:r>
-                <a:rPr lang="en-US" sz="1600" dirty="0" err="1">
-                  <a:latin typeface="Source Sans Pro Light" panose="020B0403030403020204" pitchFamily="34" charset="0"/>
-                  <a:ea typeface="Source Sans Pro Light" panose="020B0403030403020204" pitchFamily="34" charset="0"/>
-                </a:rPr>
-                <a:t>scribentur</a:t>
-              </a:r>
-              <a:r>
-                <a:rPr lang="en-US" sz="1600" dirty="0">
-                  <a:latin typeface="Source Sans Pro Light" panose="020B0403030403020204" pitchFamily="34" charset="0"/>
-                  <a:ea typeface="Source Sans Pro Light" panose="020B0403030403020204" pitchFamily="34" charset="0"/>
-                </a:rPr>
-                <a:t>, </a:t>
-              </a:r>
-              <a:r>
-                <a:rPr lang="en-US" sz="1600" dirty="0" err="1">
-                  <a:latin typeface="Source Sans Pro Light" panose="020B0403030403020204" pitchFamily="34" charset="0"/>
-                  <a:ea typeface="Source Sans Pro Light" panose="020B0403030403020204" pitchFamily="34" charset="0"/>
-                </a:rPr>
-                <a:t>verear</a:t>
-              </a:r>
-              <a:r>
-                <a:rPr lang="en-US" sz="1600" dirty="0">
-                  <a:latin typeface="Source Sans Pro Light" panose="020B0403030403020204" pitchFamily="34" charset="0"/>
-                  <a:ea typeface="Source Sans Pro Light" panose="020B0403030403020204" pitchFamily="34" charset="0"/>
-                </a:rPr>
-                <a:t> </a:t>
-              </a:r>
-              <a:r>
-                <a:rPr lang="en-US" sz="1600" dirty="0" err="1">
-                  <a:latin typeface="Source Sans Pro Light" panose="020B0403030403020204" pitchFamily="34" charset="0"/>
-                  <a:ea typeface="Source Sans Pro Light" panose="020B0403030403020204" pitchFamily="34" charset="0"/>
-                </a:rPr>
-                <a:t>nusquam</a:t>
-              </a:r>
-              <a:r>
-                <a:rPr lang="en-US" sz="1600" dirty="0">
-                  <a:latin typeface="Source Sans Pro Light" panose="020B0403030403020204" pitchFamily="34" charset="0"/>
-                  <a:ea typeface="Source Sans Pro Light" panose="020B0403030403020204" pitchFamily="34" charset="0"/>
-                </a:rPr>
-                <a:t> </a:t>
-              </a:r>
-              <a:r>
-                <a:rPr lang="en-US" sz="1600" dirty="0" err="1">
-                  <a:latin typeface="Source Sans Pro Light" panose="020B0403030403020204" pitchFamily="34" charset="0"/>
-                  <a:ea typeface="Source Sans Pro Light" panose="020B0403030403020204" pitchFamily="34" charset="0"/>
-                </a:rPr>
-                <a:t>ea</a:t>
-              </a:r>
-              <a:r>
-                <a:rPr lang="en-US" sz="1600" dirty="0">
-                  <a:latin typeface="Source Sans Pro Light" panose="020B0403030403020204" pitchFamily="34" charset="0"/>
-                  <a:ea typeface="Source Sans Pro Light" panose="020B0403030403020204" pitchFamily="34" charset="0"/>
-                </a:rPr>
-                <a:t> sed. </a:t>
-              </a:r>
-            </a:p>
-          </p:txBody>
-        </p:sp>
-      </p:grpSp>
       <p:sp>
         <p:nvSpPr>
           <p:cNvPr id="11" name="TextBox 10"/>
@@ -5386,7 +4641,7 @@
         </p:nvSpPr>
         <p:spPr>
           <a:xfrm>
-            <a:off x="0" y="6498702"/>
+            <a:off x="0" y="6472198"/>
             <a:ext cx="12192000" cy="369332"/>
           </a:xfrm>
           <a:prstGeom prst="rect">
@@ -5417,7 +4672,7 @@
     </p:spTree>
     <p:extLst>
       <p:ext uri="{BB962C8B-B14F-4D97-AF65-F5344CB8AC3E}">
-        <p14:creationId xmlns:p14="http://schemas.microsoft.com/office/powerpoint/2010/main" val="2675116285"/>
+        <p14:creationId xmlns:p14="http://schemas.microsoft.com/office/powerpoint/2010/main" val="2572948264"/>
       </p:ext>
     </p:extLst>
   </p:cSld>
